--- a/docs/diagrams/WhiteBlackDiagrams/LogicComponentClassDiagram.pptx
+++ b/docs/diagrams/WhiteBlackDiagrams/LogicComponentClassDiagram.pptx
@@ -3444,10 +3444,10 @@
       </p:grpSpPr>
       <p:grpSp>
         <p:nvGrpSpPr>
-          <p:cNvPr id="11" name="Group 10">
+          <p:cNvPr id="10" name="Group 9">
             <a:extLst>
               <a:ext uri="{FF2B5EF4-FFF2-40B4-BE49-F238E27FC236}">
-                <a16:creationId xmlns:a16="http://schemas.microsoft.com/office/drawing/2014/main" id="{AAE86A75-B7F7-9040-9C9A-4523405A85C4}"/>
+                <a16:creationId xmlns:a16="http://schemas.microsoft.com/office/drawing/2014/main" id="{CE8767EC-4D6D-B54A-ADAF-E9FE81E05AF0}"/>
               </a:ext>
             </a:extLst>
           </p:cNvPr>
@@ -3456,22 +3456,297 @@
         </p:nvGrpSpPr>
         <p:grpSpPr>
           <a:xfrm>
-            <a:off x="-1" y="914400"/>
-            <a:ext cx="8991601" cy="4953000"/>
-            <a:chOff x="-152399" y="914400"/>
-            <a:chExt cx="9144000" cy="4953000"/>
+            <a:off x="893311" y="914400"/>
+            <a:ext cx="7260089" cy="4191000"/>
+            <a:chOff x="893311" y="914400"/>
+            <a:chExt cx="7260089" cy="4191000"/>
           </a:xfrm>
         </p:grpSpPr>
+        <p:sp>
+          <p:nvSpPr>
+            <p:cNvPr id="2" name="Rectangle 65"/>
+            <p:cNvSpPr/>
+            <p:nvPr/>
+          </p:nvSpPr>
+          <p:spPr>
+            <a:xfrm>
+              <a:off x="1066800" y="914400"/>
+              <a:ext cx="7084740" cy="3733800"/>
+            </a:xfrm>
+            <a:prstGeom prst="roundRect">
+              <a:avLst>
+                <a:gd name="adj" fmla="val 3484"/>
+              </a:avLst>
+            </a:prstGeom>
+            <a:noFill/>
+            <a:ln w="19050">
+              <a:solidFill>
+                <a:schemeClr val="tx1"/>
+              </a:solidFill>
+            </a:ln>
+            <a:effectLst/>
+          </p:spPr>
+          <p:style>
+            <a:lnRef idx="1">
+              <a:schemeClr val="accent2"/>
+            </a:lnRef>
+            <a:fillRef idx="2">
+              <a:schemeClr val="accent2"/>
+            </a:fillRef>
+            <a:effectRef idx="1">
+              <a:schemeClr val="accent2"/>
+            </a:effectRef>
+            <a:fontRef idx="minor">
+              <a:schemeClr val="dk1"/>
+            </a:fontRef>
+          </p:style>
+          <p:txBody>
+            <a:bodyPr rtlCol="0" anchor="t"/>
+            <a:lstStyle/>
+            <a:p>
+              <a:r>
+                <a:rPr lang="en-US" sz="1200" b="1" dirty="0">
+                  <a:solidFill>
+                    <a:schemeClr val="tx1"/>
+                  </a:solidFill>
+                </a:rPr>
+                <a:t>Logic</a:t>
+              </a:r>
+              <a:endParaRPr lang="en-SG" sz="1200" b="1" dirty="0">
+                <a:solidFill>
+                  <a:schemeClr val="tx1"/>
+                </a:solidFill>
+              </a:endParaRPr>
+            </a:p>
+          </p:txBody>
+        </p:sp>
+        <p:sp>
+          <p:nvSpPr>
+            <p:cNvPr id="3" name="Rectangle 8"/>
+            <p:cNvSpPr/>
+            <p:nvPr/>
+          </p:nvSpPr>
+          <p:spPr>
+            <a:xfrm>
+              <a:off x="2095948" y="1253067"/>
+              <a:ext cx="1093635" cy="346760"/>
+            </a:xfrm>
+            <a:prstGeom prst="rect">
+              <a:avLst/>
+            </a:prstGeom>
+            <a:noFill/>
+            <a:ln w="19050">
+              <a:solidFill>
+                <a:schemeClr val="tx1"/>
+              </a:solidFill>
+            </a:ln>
+            <a:effectLst/>
+          </p:spPr>
+          <p:style>
+            <a:lnRef idx="1">
+              <a:schemeClr val="accent2"/>
+            </a:lnRef>
+            <a:fillRef idx="2">
+              <a:schemeClr val="accent2"/>
+            </a:fillRef>
+            <a:effectRef idx="1">
+              <a:schemeClr val="accent2"/>
+            </a:effectRef>
+            <a:fontRef idx="minor">
+              <a:schemeClr val="dk1"/>
+            </a:fontRef>
+          </p:style>
+          <p:txBody>
+            <a:bodyPr rtlCol="0" anchor="ctr"/>
+            <a:lstStyle/>
+            <a:p>
+              <a:pPr algn="ctr"/>
+              <a:r>
+                <a:rPr lang="en-US" sz="1050" dirty="0" err="1">
+                  <a:solidFill>
+                    <a:schemeClr val="tx1"/>
+                  </a:solidFill>
+                </a:rPr>
+                <a:t>CommandResult</a:t>
+              </a:r>
+              <a:endParaRPr lang="en-SG" sz="1050" dirty="0">
+                <a:solidFill>
+                  <a:schemeClr val="tx1"/>
+                </a:solidFill>
+              </a:endParaRPr>
+            </a:p>
+          </p:txBody>
+        </p:sp>
+        <p:sp>
+          <p:nvSpPr>
+            <p:cNvPr id="4" name="Rectangle 11"/>
+            <p:cNvSpPr/>
+            <p:nvPr/>
+          </p:nvSpPr>
+          <p:spPr>
+            <a:xfrm flipH="1">
+              <a:off x="6878274" y="2740152"/>
+              <a:ext cx="970326" cy="346760"/>
+            </a:xfrm>
+            <a:prstGeom prst="rect">
+              <a:avLst/>
+            </a:prstGeom>
+            <a:noFill/>
+            <a:ln w="19050">
+              <a:solidFill>
+                <a:schemeClr val="tx1"/>
+              </a:solidFill>
+            </a:ln>
+            <a:effectLst/>
+          </p:spPr>
+          <p:style>
+            <a:lnRef idx="1">
+              <a:schemeClr val="accent1"/>
+            </a:lnRef>
+            <a:fillRef idx="2">
+              <a:schemeClr val="accent1"/>
+            </a:fillRef>
+            <a:effectRef idx="1">
+              <a:schemeClr val="accent1"/>
+            </a:effectRef>
+            <a:fontRef idx="minor">
+              <a:schemeClr val="dk1"/>
+            </a:fontRef>
+          </p:style>
+          <p:txBody>
+            <a:bodyPr rtlCol="0" anchor="ctr"/>
+            <a:lstStyle/>
+            <a:p>
+              <a:pPr algn="ctr"/>
+              <a:r>
+                <a:rPr lang="en-US" sz="1050" b="1" dirty="0" err="1">
+                  <a:solidFill>
+                    <a:schemeClr val="tx1"/>
+                  </a:solidFill>
+                </a:rPr>
+                <a:t>XYZCommand</a:t>
+              </a:r>
+              <a:endParaRPr lang="en-SG" sz="1050" b="1" dirty="0">
+                <a:solidFill>
+                  <a:schemeClr val="tx1"/>
+                </a:solidFill>
+              </a:endParaRPr>
+            </a:p>
+          </p:txBody>
+        </p:sp>
+        <p:sp>
+          <p:nvSpPr>
+            <p:cNvPr id="5" name="Rectangle 62"/>
+            <p:cNvSpPr/>
+            <p:nvPr/>
+          </p:nvSpPr>
+          <p:spPr>
+            <a:xfrm>
+              <a:off x="1782495" y="3583530"/>
+              <a:ext cx="1093635" cy="346760"/>
+            </a:xfrm>
+            <a:prstGeom prst="rect">
+              <a:avLst/>
+            </a:prstGeom>
+            <a:noFill/>
+            <a:ln w="19050">
+              <a:solidFill>
+                <a:schemeClr val="tx1"/>
+              </a:solidFill>
+            </a:ln>
+            <a:effectLst/>
+          </p:spPr>
+          <p:style>
+            <a:lnRef idx="1">
+              <a:schemeClr val="accent2"/>
+            </a:lnRef>
+            <a:fillRef idx="2">
+              <a:schemeClr val="accent2"/>
+            </a:fillRef>
+            <a:effectRef idx="1">
+              <a:schemeClr val="accent2"/>
+            </a:effectRef>
+            <a:fontRef idx="minor">
+              <a:schemeClr val="dk1"/>
+            </a:fontRef>
+          </p:style>
+          <p:txBody>
+            <a:bodyPr rtlCol="0" anchor="ctr"/>
+            <a:lstStyle/>
+            <a:p>
+              <a:pPr algn="ctr"/>
+              <a:r>
+                <a:rPr lang="en-US" sz="1050" dirty="0" err="1">
+                  <a:solidFill>
+                    <a:schemeClr val="tx1"/>
+                  </a:solidFill>
+                </a:rPr>
+                <a:t>LogicManager</a:t>
+              </a:r>
+              <a:endParaRPr lang="en-SG" sz="1050" dirty="0">
+                <a:solidFill>
+                  <a:schemeClr val="tx1"/>
+                </a:solidFill>
+              </a:endParaRPr>
+            </a:p>
+          </p:txBody>
+        </p:sp>
         <p:cxnSp>
           <p:nvCxnSpPr>
-            <p:cNvPr id="24" name="Elbow Connector 122"/>
-            <p:cNvCxnSpPr/>
+            <p:cNvPr id="6" name="Elbow Connector 63"/>
+            <p:cNvCxnSpPr>
+              <a:stCxn id="12" idx="3"/>
+              <a:endCxn id="3" idx="3"/>
+            </p:cNvCxnSpPr>
+            <p:nvPr/>
+          </p:nvCxnSpPr>
+          <p:spPr>
+            <a:xfrm flipH="1" flipV="1">
+              <a:off x="3189583" y="1426447"/>
+              <a:ext cx="4559332" cy="2895973"/>
+            </a:xfrm>
+            <a:prstGeom prst="bentConnector3">
+              <a:avLst>
+                <a:gd name="adj1" fmla="val -5014"/>
+              </a:avLst>
+            </a:prstGeom>
+            <a:ln w="19050">
+              <a:solidFill>
+                <a:schemeClr val="tx1"/>
+              </a:solidFill>
+              <a:prstDash val="sysDot"/>
+              <a:headEnd type="none" w="med" len="med"/>
+              <a:tailEnd type="arrow" w="med" len="med"/>
+            </a:ln>
+            <a:effectLst/>
+          </p:spPr>
+          <p:style>
+            <a:lnRef idx="1">
+              <a:schemeClr val="accent2"/>
+            </a:lnRef>
+            <a:fillRef idx="2">
+              <a:schemeClr val="accent2"/>
+            </a:fillRef>
+            <a:effectRef idx="1">
+              <a:schemeClr val="accent2"/>
+            </a:effectRef>
+            <a:fontRef idx="minor">
+              <a:schemeClr val="dk1"/>
+            </a:fontRef>
+          </p:style>
+        </p:cxnSp>
+        <p:cxnSp>
+          <p:nvCxnSpPr>
+            <p:cNvPr id="8" name="Elbow Connector 122"/>
+            <p:cNvCxnSpPr>
+              <a:endCxn id="3" idx="1"/>
+            </p:cNvCxnSpPr>
             <p:nvPr/>
           </p:nvCxnSpPr>
           <p:spPr>
             <a:xfrm>
-              <a:off x="-152399" y="3181251"/>
-              <a:ext cx="528416" cy="3380"/>
+              <a:off x="1676400" y="1423587"/>
+              <a:ext cx="419548" cy="2860"/>
             </a:xfrm>
             <a:prstGeom prst="bentConnector3">
               <a:avLst>
@@ -3503,1049 +3778,564 @@
             </a:fontRef>
           </p:style>
         </p:cxnSp>
+        <p:sp>
+          <p:nvSpPr>
+            <p:cNvPr id="9" name="Rectangle 65"/>
+            <p:cNvSpPr/>
+            <p:nvPr/>
+          </p:nvSpPr>
+          <p:spPr>
+            <a:xfrm>
+              <a:off x="1103085" y="4777355"/>
+              <a:ext cx="7050315" cy="328045"/>
+            </a:xfrm>
+            <a:prstGeom prst="roundRect">
+              <a:avLst/>
+            </a:prstGeom>
+            <a:noFill/>
+            <a:ln w="19050">
+              <a:solidFill>
+                <a:schemeClr val="tx1"/>
+              </a:solidFill>
+            </a:ln>
+            <a:effectLst/>
+          </p:spPr>
+          <p:style>
+            <a:lnRef idx="1">
+              <a:schemeClr val="accent2"/>
+            </a:lnRef>
+            <a:fillRef idx="2">
+              <a:schemeClr val="accent2"/>
+            </a:fillRef>
+            <a:effectRef idx="1">
+              <a:schemeClr val="accent2"/>
+            </a:effectRef>
+            <a:fontRef idx="minor">
+              <a:schemeClr val="dk1"/>
+            </a:fontRef>
+          </p:style>
+          <p:txBody>
+            <a:bodyPr rtlCol="0" anchor="ctr"/>
+            <a:lstStyle/>
+            <a:p>
+              <a:pPr algn="ctr"/>
+              <a:r>
+                <a:rPr lang="en-US" sz="1100" b="1" dirty="0">
+                  <a:solidFill>
+                    <a:schemeClr val="tx1"/>
+                  </a:solidFill>
+                </a:rPr>
+                <a:t>Model</a:t>
+              </a:r>
+              <a:endParaRPr lang="en-SG" sz="1100" b="1" dirty="0">
+                <a:solidFill>
+                  <a:schemeClr val="tx1"/>
+                </a:solidFill>
+              </a:endParaRPr>
+            </a:p>
+          </p:txBody>
+        </p:sp>
+        <p:sp>
+          <p:nvSpPr>
+            <p:cNvPr id="12" name="Rectangle 62"/>
+            <p:cNvSpPr/>
+            <p:nvPr/>
+          </p:nvSpPr>
+          <p:spPr>
+            <a:xfrm>
+              <a:off x="6976872" y="4149040"/>
+              <a:ext cx="772043" cy="346760"/>
+            </a:xfrm>
+            <a:prstGeom prst="rect">
+              <a:avLst/>
+            </a:prstGeom>
+            <a:noFill/>
+            <a:ln w="19050">
+              <a:solidFill>
+                <a:schemeClr val="tx1"/>
+              </a:solidFill>
+            </a:ln>
+            <a:effectLst/>
+          </p:spPr>
+          <p:style>
+            <a:lnRef idx="1">
+              <a:schemeClr val="accent1"/>
+            </a:lnRef>
+            <a:fillRef idx="2">
+              <a:schemeClr val="accent1"/>
+            </a:fillRef>
+            <a:effectRef idx="1">
+              <a:schemeClr val="accent1"/>
+            </a:effectRef>
+            <a:fontRef idx="minor">
+              <a:schemeClr val="dk1"/>
+            </a:fontRef>
+          </p:style>
+          <p:txBody>
+            <a:bodyPr rtlCol="0" anchor="ctr"/>
+            <a:lstStyle/>
+            <a:p>
+              <a:pPr algn="ctr"/>
+              <a:r>
+                <a:rPr lang="en-US" sz="1050" b="1" dirty="0">
+                  <a:solidFill>
+                    <a:schemeClr val="tx1"/>
+                  </a:solidFill>
+                </a:rPr>
+                <a:t>{abstract}</a:t>
+              </a:r>
+              <a:br>
+                <a:rPr lang="en-US" sz="1050" b="1" dirty="0">
+                  <a:solidFill>
+                    <a:schemeClr val="tx1"/>
+                  </a:solidFill>
+                </a:rPr>
+              </a:br>
+              <a:r>
+                <a:rPr lang="en-US" sz="1050" b="1" dirty="0">
+                  <a:solidFill>
+                    <a:schemeClr val="tx1"/>
+                  </a:solidFill>
+                </a:rPr>
+                <a:t>Command</a:t>
+              </a:r>
+              <a:endParaRPr lang="en-SG" sz="1050" b="1" dirty="0">
+                <a:solidFill>
+                  <a:schemeClr val="tx1"/>
+                </a:solidFill>
+              </a:endParaRPr>
+            </a:p>
+          </p:txBody>
+        </p:sp>
+        <p:sp>
+          <p:nvSpPr>
+            <p:cNvPr id="16" name="Rectangle 62"/>
+            <p:cNvSpPr/>
+            <p:nvPr/>
+          </p:nvSpPr>
+          <p:spPr>
+            <a:xfrm>
+              <a:off x="3255418" y="3554995"/>
+              <a:ext cx="1045323" cy="384497"/>
+            </a:xfrm>
+            <a:prstGeom prst="rect">
+              <a:avLst/>
+            </a:prstGeom>
+            <a:noFill/>
+            <a:ln>
+              <a:solidFill>
+                <a:schemeClr val="tx1"/>
+              </a:solidFill>
+            </a:ln>
+            <a:effectLst/>
+          </p:spPr>
+          <p:style>
+            <a:lnRef idx="1">
+              <a:schemeClr val="accent5"/>
+            </a:lnRef>
+            <a:fillRef idx="2">
+              <a:schemeClr val="accent5"/>
+            </a:fillRef>
+            <a:effectRef idx="1">
+              <a:schemeClr val="accent5"/>
+            </a:effectRef>
+            <a:fontRef idx="minor">
+              <a:schemeClr val="dk1"/>
+            </a:fontRef>
+          </p:style>
+          <p:txBody>
+            <a:bodyPr rtlCol="0" anchor="ctr"/>
+            <a:lstStyle/>
+            <a:p>
+              <a:pPr algn="ctr"/>
+              <a:r>
+                <a:rPr lang="en-US" sz="1050" dirty="0" err="1">
+                  <a:solidFill>
+                    <a:schemeClr val="tx1"/>
+                  </a:solidFill>
+                </a:rPr>
+                <a:t>CardBank</a:t>
+              </a:r>
+              <a:endParaRPr lang="en-US" sz="1050" dirty="0">
+                <a:solidFill>
+                  <a:schemeClr val="tx1"/>
+                </a:solidFill>
+              </a:endParaRPr>
+            </a:p>
+            <a:p>
+              <a:pPr algn="ctr"/>
+              <a:r>
+                <a:rPr lang="en-US" sz="1050" dirty="0">
+                  <a:solidFill>
+                    <a:schemeClr val="tx1"/>
+                  </a:solidFill>
+                </a:rPr>
+                <a:t>Parser</a:t>
+              </a:r>
+              <a:endParaRPr lang="en-SG" sz="1050" dirty="0">
+                <a:solidFill>
+                  <a:schemeClr val="tx1"/>
+                </a:solidFill>
+              </a:endParaRPr>
+            </a:p>
+          </p:txBody>
+        </p:sp>
+        <p:cxnSp>
+          <p:nvCxnSpPr>
+            <p:cNvPr id="18" name="Straight Arrow Connector 110"/>
+            <p:cNvCxnSpPr>
+              <a:stCxn id="12" idx="2"/>
+            </p:cNvCxnSpPr>
+            <p:nvPr/>
+          </p:nvCxnSpPr>
+          <p:spPr>
+            <a:xfrm>
+              <a:off x="7362894" y="4495800"/>
+              <a:ext cx="0" cy="281555"/>
+            </a:xfrm>
+            <a:prstGeom prst="straightConnector1">
+              <a:avLst/>
+            </a:prstGeom>
+            <a:ln w="19050">
+              <a:solidFill>
+                <a:schemeClr val="tx1"/>
+              </a:solidFill>
+              <a:prstDash val="sysDot"/>
+              <a:headEnd type="none" w="med" len="med"/>
+              <a:tailEnd type="arrow" w="med" len="med"/>
+            </a:ln>
+            <a:effectLst/>
+          </p:spPr>
+          <p:style>
+            <a:lnRef idx="1">
+              <a:schemeClr val="accent2"/>
+            </a:lnRef>
+            <a:fillRef idx="2">
+              <a:schemeClr val="accent2"/>
+            </a:fillRef>
+            <a:effectRef idx="1">
+              <a:schemeClr val="accent2"/>
+            </a:effectRef>
+            <a:fontRef idx="minor">
+              <a:schemeClr val="dk1"/>
+            </a:fontRef>
+          </p:style>
+        </p:cxnSp>
+        <p:sp>
+          <p:nvSpPr>
+            <p:cNvPr id="19" name="Rectangle 62"/>
+            <p:cNvSpPr/>
+            <p:nvPr/>
+          </p:nvSpPr>
+          <p:spPr>
+            <a:xfrm rot="16200000">
+              <a:off x="398120" y="2150720"/>
+              <a:ext cx="2209800" cy="346760"/>
+            </a:xfrm>
+            <a:prstGeom prst="rect">
+              <a:avLst/>
+            </a:prstGeom>
+            <a:noFill/>
+            <a:ln w="19050">
+              <a:solidFill>
+                <a:schemeClr val="tx1"/>
+              </a:solidFill>
+            </a:ln>
+            <a:effectLst/>
+          </p:spPr>
+          <p:style>
+            <a:lnRef idx="1">
+              <a:schemeClr val="accent2"/>
+            </a:lnRef>
+            <a:fillRef idx="2">
+              <a:schemeClr val="accent2"/>
+            </a:fillRef>
+            <a:effectRef idx="1">
+              <a:schemeClr val="accent2"/>
+            </a:effectRef>
+            <a:fontRef idx="minor">
+              <a:schemeClr val="dk1"/>
+            </a:fontRef>
+          </p:style>
+          <p:txBody>
+            <a:bodyPr rtlCol="0" anchor="ctr"/>
+            <a:lstStyle/>
+            <a:p>
+              <a:pPr algn="ctr"/>
+              <a:r>
+                <a:rPr lang="en-US" sz="1050" dirty="0">
+                  <a:solidFill>
+                    <a:schemeClr val="tx1"/>
+                  </a:solidFill>
+                </a:rPr>
+                <a:t>&lt;&lt;interface&gt;&gt;</a:t>
+              </a:r>
+            </a:p>
+            <a:p>
+              <a:pPr algn="ctr"/>
+              <a:r>
+                <a:rPr lang="en-US" sz="1050" dirty="0">
+                  <a:solidFill>
+                    <a:schemeClr val="tx1"/>
+                  </a:solidFill>
+                </a:rPr>
+                <a:t>Logic</a:t>
+              </a:r>
+              <a:endParaRPr lang="en-SG" sz="1050" dirty="0">
+                <a:solidFill>
+                  <a:schemeClr val="tx1"/>
+                </a:solidFill>
+              </a:endParaRPr>
+            </a:p>
+          </p:txBody>
+        </p:sp>
+        <p:sp>
+          <p:nvSpPr>
+            <p:cNvPr id="20" name="Isosceles Triangle 102"/>
+            <p:cNvSpPr/>
+            <p:nvPr/>
+          </p:nvSpPr>
+          <p:spPr>
+            <a:xfrm>
+              <a:off x="1359039" y="3429000"/>
+              <a:ext cx="270504" cy="175523"/>
+            </a:xfrm>
+            <a:prstGeom prst="triangle">
+              <a:avLst/>
+            </a:prstGeom>
+            <a:noFill/>
+            <a:ln w="19050">
+              <a:solidFill>
+                <a:schemeClr val="tx1"/>
+              </a:solidFill>
+            </a:ln>
+            <a:effectLst/>
+          </p:spPr>
+          <p:style>
+            <a:lnRef idx="1">
+              <a:schemeClr val="accent1"/>
+            </a:lnRef>
+            <a:fillRef idx="2">
+              <a:schemeClr val="accent1"/>
+            </a:fillRef>
+            <a:effectRef idx="1">
+              <a:schemeClr val="accent1"/>
+            </a:effectRef>
+            <a:fontRef idx="minor">
+              <a:schemeClr val="dk1"/>
+            </a:fontRef>
+          </p:style>
+          <p:txBody>
+            <a:bodyPr rtlCol="0" anchor="ctr"/>
+            <a:lstStyle/>
+            <a:p>
+              <a:pPr algn="ctr"/>
+              <a:endParaRPr lang="en-SG" sz="1050" b="1">
+                <a:solidFill>
+                  <a:schemeClr val="tx1"/>
+                </a:solidFill>
+              </a:endParaRPr>
+            </a:p>
+          </p:txBody>
+        </p:sp>
+        <p:cxnSp>
+          <p:nvCxnSpPr>
+            <p:cNvPr id="21" name="Elbow Connector 63"/>
+            <p:cNvCxnSpPr>
+              <a:stCxn id="5" idx="1"/>
+              <a:endCxn id="20" idx="3"/>
+            </p:cNvCxnSpPr>
+            <p:nvPr/>
+          </p:nvCxnSpPr>
+          <p:spPr>
+            <a:xfrm rot="10800000">
+              <a:off x="1494291" y="3604524"/>
+              <a:ext cx="288204" cy="152387"/>
+            </a:xfrm>
+            <a:prstGeom prst="bentConnector2">
+              <a:avLst/>
+            </a:prstGeom>
+            <a:ln w="19050">
+              <a:solidFill>
+                <a:schemeClr val="tx1"/>
+              </a:solidFill>
+              <a:prstDash val="sysDot"/>
+              <a:headEnd type="none" w="med" len="med"/>
+              <a:tailEnd type="none" w="med" len="med"/>
+            </a:ln>
+            <a:effectLst/>
+          </p:spPr>
+          <p:style>
+            <a:lnRef idx="1">
+              <a:schemeClr val="accent2"/>
+            </a:lnRef>
+            <a:fillRef idx="2">
+              <a:schemeClr val="accent2"/>
+            </a:fillRef>
+            <a:effectRef idx="1">
+              <a:schemeClr val="accent2"/>
+            </a:effectRef>
+            <a:fontRef idx="minor">
+              <a:schemeClr val="dk1"/>
+            </a:fontRef>
+          </p:style>
+        </p:cxnSp>
+        <p:cxnSp>
+          <p:nvCxnSpPr>
+            <p:cNvPr id="23" name="Straight Arrow Connector 57"/>
+            <p:cNvCxnSpPr>
+              <a:stCxn id="5" idx="2"/>
+            </p:cNvCxnSpPr>
+            <p:nvPr/>
+          </p:nvCxnSpPr>
+          <p:spPr>
+            <a:xfrm>
+              <a:off x="2329313" y="3930290"/>
+              <a:ext cx="1376" cy="854841"/>
+            </a:xfrm>
+            <a:prstGeom prst="straightConnector1">
+              <a:avLst/>
+            </a:prstGeom>
+            <a:ln w="19050">
+              <a:solidFill>
+                <a:schemeClr val="tx1"/>
+              </a:solidFill>
+              <a:headEnd type="none" w="med" len="med"/>
+              <a:tailEnd type="arrow" w="med" len="med"/>
+            </a:ln>
+            <a:effectLst/>
+          </p:spPr>
+          <p:style>
+            <a:lnRef idx="1">
+              <a:schemeClr val="accent2"/>
+            </a:lnRef>
+            <a:fillRef idx="2">
+              <a:schemeClr val="accent2"/>
+            </a:fillRef>
+            <a:effectRef idx="1">
+              <a:schemeClr val="accent2"/>
+            </a:effectRef>
+            <a:fontRef idx="minor">
+              <a:schemeClr val="dk1"/>
+            </a:fontRef>
+          </p:style>
+        </p:cxnSp>
+        <p:cxnSp>
+          <p:nvCxnSpPr>
+            <p:cNvPr id="24" name="Elbow Connector 122"/>
+            <p:cNvCxnSpPr/>
+            <p:nvPr/>
+          </p:nvCxnSpPr>
+          <p:spPr>
+            <a:xfrm>
+              <a:off x="893311" y="2832505"/>
+              <a:ext cx="419548" cy="2860"/>
+            </a:xfrm>
+            <a:prstGeom prst="bentConnector3">
+              <a:avLst>
+                <a:gd name="adj1" fmla="val 50000"/>
+              </a:avLst>
+            </a:prstGeom>
+            <a:ln w="19050">
+              <a:solidFill>
+                <a:schemeClr val="tx1"/>
+              </a:solidFill>
+              <a:prstDash val="sysDot"/>
+              <a:headEnd type="none" w="med" len="med"/>
+              <a:tailEnd type="arrow" w="med" len="med"/>
+            </a:ln>
+            <a:effectLst/>
+          </p:spPr>
+          <p:style>
+            <a:lnRef idx="1">
+              <a:schemeClr val="accent2"/>
+            </a:lnRef>
+            <a:fillRef idx="2">
+              <a:schemeClr val="accent2"/>
+            </a:fillRef>
+            <a:effectRef idx="1">
+              <a:schemeClr val="accent2"/>
+            </a:effectRef>
+            <a:fontRef idx="minor">
+              <a:schemeClr val="dk1"/>
+            </a:fontRef>
+          </p:style>
+        </p:cxnSp>
+        <p:cxnSp>
+          <p:nvCxnSpPr>
+            <p:cNvPr id="25" name="Elbow Connector 63"/>
+            <p:cNvCxnSpPr>
+              <a:endCxn id="12" idx="1"/>
+            </p:cNvCxnSpPr>
+            <p:nvPr/>
+          </p:nvCxnSpPr>
+          <p:spPr>
+            <a:xfrm>
+              <a:off x="2281833" y="3939492"/>
+              <a:ext cx="4695039" cy="382928"/>
+            </a:xfrm>
+            <a:prstGeom prst="bentConnector3">
+              <a:avLst>
+                <a:gd name="adj1" fmla="val -81"/>
+              </a:avLst>
+            </a:prstGeom>
+            <a:ln w="19050">
+              <a:solidFill>
+                <a:schemeClr val="tx1"/>
+              </a:solidFill>
+              <a:prstDash val="sysDot"/>
+              <a:headEnd type="none" w="med" len="med"/>
+              <a:tailEnd type="arrow" w="med" len="med"/>
+            </a:ln>
+            <a:effectLst/>
+          </p:spPr>
+          <p:style>
+            <a:lnRef idx="1">
+              <a:schemeClr val="accent2"/>
+            </a:lnRef>
+            <a:fillRef idx="2">
+              <a:schemeClr val="accent2"/>
+            </a:fillRef>
+            <a:effectRef idx="1">
+              <a:schemeClr val="accent2"/>
+            </a:effectRef>
+            <a:fontRef idx="minor">
+              <a:schemeClr val="dk1"/>
+            </a:fontRef>
+          </p:style>
+        </p:cxnSp>
         <p:grpSp>
           <p:nvGrpSpPr>
-            <p:cNvPr id="10" name="Group 9">
-              <a:extLst>
-                <a:ext uri="{FF2B5EF4-FFF2-40B4-BE49-F238E27FC236}">
-                  <a16:creationId xmlns:a16="http://schemas.microsoft.com/office/drawing/2014/main" id="{879316A9-AA3D-5646-A823-20A2514C6317}"/>
-                </a:ext>
-              </a:extLst>
-            </p:cNvPr>
+            <p:cNvPr id="26" name="Group 25"/>
             <p:cNvGrpSpPr/>
             <p:nvPr/>
           </p:nvGrpSpPr>
           <p:grpSpPr>
             <a:xfrm>
-              <a:off x="66108" y="914400"/>
-              <a:ext cx="8925493" cy="4953000"/>
-              <a:chOff x="66108" y="914400"/>
-              <a:chExt cx="8925493" cy="4953000"/>
+              <a:off x="4597400" y="4341168"/>
+              <a:ext cx="889000" cy="230832"/>
+              <a:chOff x="2895600" y="807932"/>
+              <a:chExt cx="889000" cy="230832"/>
             </a:xfrm>
+            <a:noFill/>
           </p:grpSpPr>
           <p:sp>
             <p:nvSpPr>
-              <p:cNvPr id="2" name="Rectangle 65"/>
-              <p:cNvSpPr/>
-              <p:nvPr/>
-            </p:nvSpPr>
-            <p:spPr>
-              <a:xfrm>
-                <a:off x="66108" y="914400"/>
-                <a:ext cx="8923150" cy="4412673"/>
-              </a:xfrm>
-              <a:prstGeom prst="roundRect">
-                <a:avLst>
-                  <a:gd name="adj" fmla="val 3484"/>
-                </a:avLst>
-              </a:prstGeom>
-              <a:noFill/>
-              <a:ln w="19050">
-                <a:solidFill>
-                  <a:schemeClr val="tx1"/>
-                </a:solidFill>
-              </a:ln>
-              <a:effectLst/>
-            </p:spPr>
-            <p:style>
-              <a:lnRef idx="1">
-                <a:schemeClr val="accent2"/>
-              </a:lnRef>
-              <a:fillRef idx="2">
-                <a:schemeClr val="accent2"/>
-              </a:fillRef>
-              <a:effectRef idx="1">
-                <a:schemeClr val="accent2"/>
-              </a:effectRef>
-              <a:fontRef idx="minor">
-                <a:schemeClr val="dk1"/>
-              </a:fontRef>
-            </p:style>
-            <p:txBody>
-              <a:bodyPr rtlCol="0" anchor="t"/>
-              <a:lstStyle/>
-              <a:p>
-                <a:r>
-                  <a:rPr lang="en-US" sz="1200" b="1" dirty="0">
-                    <a:solidFill>
-                      <a:schemeClr val="tx1"/>
-                    </a:solidFill>
-                  </a:rPr>
-                  <a:t>Logic</a:t>
-                </a:r>
-                <a:endParaRPr lang="en-SG" sz="1200" b="1" dirty="0">
-                  <a:solidFill>
-                    <a:schemeClr val="tx1"/>
-                  </a:solidFill>
-                </a:endParaRPr>
-              </a:p>
-            </p:txBody>
-          </p:sp>
-          <p:sp>
-            <p:nvSpPr>
-              <p:cNvPr id="3" name="Rectangle 8"/>
-              <p:cNvSpPr/>
-              <p:nvPr/>
-            </p:nvSpPr>
-            <p:spPr>
-              <a:xfrm>
-                <a:off x="1362309" y="1314643"/>
-                <a:ext cx="1377421" cy="409807"/>
-              </a:xfrm>
-              <a:prstGeom prst="rect">
-                <a:avLst/>
-              </a:prstGeom>
-              <a:noFill/>
-              <a:ln w="19050">
-                <a:solidFill>
-                  <a:schemeClr val="tx1"/>
-                </a:solidFill>
-              </a:ln>
-              <a:effectLst/>
-            </p:spPr>
-            <p:style>
-              <a:lnRef idx="1">
-                <a:schemeClr val="accent2"/>
-              </a:lnRef>
-              <a:fillRef idx="2">
-                <a:schemeClr val="accent2"/>
-              </a:fillRef>
-              <a:effectRef idx="1">
-                <a:schemeClr val="accent2"/>
-              </a:effectRef>
-              <a:fontRef idx="minor">
-                <a:schemeClr val="dk1"/>
-              </a:fontRef>
-            </p:style>
-            <p:txBody>
-              <a:bodyPr rtlCol="0" anchor="ctr"/>
-              <a:lstStyle/>
-              <a:p>
-                <a:pPr algn="ctr"/>
-                <a:r>
-                  <a:rPr lang="en-US" sz="1200" dirty="0" err="1">
-                    <a:solidFill>
-                      <a:schemeClr val="tx1"/>
-                    </a:solidFill>
-                  </a:rPr>
-                  <a:t>CommandResult</a:t>
-                </a:r>
-                <a:endParaRPr lang="en-SG" sz="1200" dirty="0">
-                  <a:solidFill>
-                    <a:schemeClr val="tx1"/>
-                  </a:solidFill>
-                </a:endParaRPr>
-              </a:p>
-            </p:txBody>
-          </p:sp>
-          <p:sp>
-            <p:nvSpPr>
-              <p:cNvPr id="4" name="Rectangle 11"/>
-              <p:cNvSpPr/>
-              <p:nvPr/>
-            </p:nvSpPr>
-            <p:spPr>
-              <a:xfrm flipH="1">
-                <a:off x="7385594" y="3072107"/>
-                <a:ext cx="1222115" cy="409807"/>
-              </a:xfrm>
-              <a:prstGeom prst="rect">
-                <a:avLst/>
-              </a:prstGeom>
-              <a:noFill/>
-              <a:ln w="19050">
-                <a:solidFill>
-                  <a:schemeClr val="tx1"/>
-                </a:solidFill>
-              </a:ln>
-              <a:effectLst/>
-            </p:spPr>
-            <p:style>
-              <a:lnRef idx="1">
-                <a:schemeClr val="accent1"/>
-              </a:lnRef>
-              <a:fillRef idx="2">
-                <a:schemeClr val="accent1"/>
-              </a:fillRef>
-              <a:effectRef idx="1">
-                <a:schemeClr val="accent1"/>
-              </a:effectRef>
-              <a:fontRef idx="minor">
-                <a:schemeClr val="dk1"/>
-              </a:fontRef>
-            </p:style>
-            <p:txBody>
-              <a:bodyPr rtlCol="0" anchor="ctr"/>
-              <a:lstStyle/>
-              <a:p>
-                <a:pPr algn="ctr"/>
-                <a:r>
-                  <a:rPr lang="en-US" sz="1200" b="1" dirty="0" err="1">
-                    <a:solidFill>
-                      <a:schemeClr val="tx1"/>
-                    </a:solidFill>
-                  </a:rPr>
-                  <a:t>XYZCommand</a:t>
-                </a:r>
-                <a:endParaRPr lang="en-SG" sz="1200" b="1" dirty="0">
-                  <a:solidFill>
-                    <a:schemeClr val="tx1"/>
-                  </a:solidFill>
-                </a:endParaRPr>
-              </a:p>
-            </p:txBody>
-          </p:sp>
-          <p:sp>
-            <p:nvSpPr>
-              <p:cNvPr id="5" name="Rectangle 62"/>
-              <p:cNvSpPr/>
-              <p:nvPr/>
-            </p:nvSpPr>
-            <p:spPr>
-              <a:xfrm>
-                <a:off x="967518" y="4068826"/>
-                <a:ext cx="1377421" cy="409807"/>
-              </a:xfrm>
-              <a:prstGeom prst="rect">
-                <a:avLst/>
-              </a:prstGeom>
-              <a:noFill/>
-              <a:ln w="19050">
-                <a:solidFill>
-                  <a:schemeClr val="tx1"/>
-                </a:solidFill>
-              </a:ln>
-              <a:effectLst/>
-            </p:spPr>
-            <p:style>
-              <a:lnRef idx="1">
-                <a:schemeClr val="accent2"/>
-              </a:lnRef>
-              <a:fillRef idx="2">
-                <a:schemeClr val="accent2"/>
-              </a:fillRef>
-              <a:effectRef idx="1">
-                <a:schemeClr val="accent2"/>
-              </a:effectRef>
-              <a:fontRef idx="minor">
-                <a:schemeClr val="dk1"/>
-              </a:fontRef>
-            </p:style>
-            <p:txBody>
-              <a:bodyPr rtlCol="0" anchor="ctr"/>
-              <a:lstStyle/>
-              <a:p>
-                <a:pPr algn="ctr"/>
-                <a:r>
-                  <a:rPr lang="en-US" sz="1200" dirty="0" err="1">
-                    <a:solidFill>
-                      <a:schemeClr val="tx1"/>
-                    </a:solidFill>
-                  </a:rPr>
-                  <a:t>LogicManager</a:t>
-                </a:r>
-                <a:endParaRPr lang="en-SG" sz="1200" dirty="0">
-                  <a:solidFill>
-                    <a:schemeClr val="tx1"/>
-                  </a:solidFill>
-                </a:endParaRPr>
-              </a:p>
-            </p:txBody>
-          </p:sp>
-          <p:cxnSp>
-            <p:nvCxnSpPr>
-              <p:cNvPr id="6" name="Elbow Connector 63"/>
-              <p:cNvCxnSpPr>
-                <a:stCxn id="12" idx="3"/>
-                <a:endCxn id="3" idx="3"/>
-              </p:cNvCxnSpPr>
-              <p:nvPr/>
-            </p:nvCxnSpPr>
-            <p:spPr>
-              <a:xfrm flipH="1" flipV="1">
-                <a:off x="2739730" y="1519546"/>
-                <a:ext cx="5742427" cy="3422514"/>
-              </a:xfrm>
-              <a:prstGeom prst="bentConnector3">
-                <a:avLst>
-                  <a:gd name="adj1" fmla="val -5014"/>
-                </a:avLst>
-              </a:prstGeom>
-              <a:ln w="19050">
-                <a:solidFill>
-                  <a:schemeClr val="tx1"/>
-                </a:solidFill>
-                <a:prstDash val="sysDot"/>
-                <a:headEnd type="none" w="med" len="med"/>
-                <a:tailEnd type="arrow" w="med" len="med"/>
-              </a:ln>
-              <a:effectLst/>
-            </p:spPr>
-            <p:style>
-              <a:lnRef idx="1">
-                <a:schemeClr val="accent2"/>
-              </a:lnRef>
-              <a:fillRef idx="2">
-                <a:schemeClr val="accent2"/>
-              </a:fillRef>
-              <a:effectRef idx="1">
-                <a:schemeClr val="accent2"/>
-              </a:effectRef>
-              <a:fontRef idx="minor">
-                <a:schemeClr val="dk1"/>
-              </a:fontRef>
-            </p:style>
-          </p:cxnSp>
-          <p:cxnSp>
-            <p:nvCxnSpPr>
-              <p:cNvPr id="8" name="Elbow Connector 122"/>
-              <p:cNvCxnSpPr>
-                <a:endCxn id="3" idx="1"/>
-              </p:cNvCxnSpPr>
-              <p:nvPr/>
-            </p:nvCxnSpPr>
-            <p:spPr>
-              <a:xfrm>
-                <a:off x="833893" y="1516166"/>
-                <a:ext cx="528416" cy="3380"/>
-              </a:xfrm>
-              <a:prstGeom prst="bentConnector3">
-                <a:avLst>
-                  <a:gd name="adj1" fmla="val 50000"/>
-                </a:avLst>
-              </a:prstGeom>
-              <a:ln w="19050">
-                <a:solidFill>
-                  <a:schemeClr val="tx1"/>
-                </a:solidFill>
-                <a:prstDash val="sysDot"/>
-                <a:headEnd type="none" w="med" len="med"/>
-                <a:tailEnd type="arrow" w="med" len="med"/>
-              </a:ln>
-              <a:effectLst/>
-            </p:spPr>
-            <p:style>
-              <a:lnRef idx="1">
-                <a:schemeClr val="accent2"/>
-              </a:lnRef>
-              <a:fillRef idx="2">
-                <a:schemeClr val="accent2"/>
-              </a:fillRef>
-              <a:effectRef idx="1">
-                <a:schemeClr val="accent2"/>
-              </a:effectRef>
-              <a:fontRef idx="minor">
-                <a:schemeClr val="dk1"/>
-              </a:fontRef>
-            </p:style>
-          </p:cxnSp>
-          <p:sp>
-            <p:nvSpPr>
-              <p:cNvPr id="9" name="Rectangle 65"/>
-              <p:cNvSpPr/>
-              <p:nvPr/>
-            </p:nvSpPr>
-            <p:spPr>
-              <a:xfrm>
-                <a:off x="111809" y="5479710"/>
-                <a:ext cx="8879792" cy="387690"/>
-              </a:xfrm>
-              <a:prstGeom prst="roundRect">
-                <a:avLst/>
-              </a:prstGeom>
-              <a:noFill/>
-              <a:ln w="19050">
-                <a:solidFill>
-                  <a:schemeClr val="tx1"/>
-                </a:solidFill>
-              </a:ln>
-              <a:effectLst/>
-            </p:spPr>
-            <p:style>
-              <a:lnRef idx="1">
-                <a:schemeClr val="accent2"/>
-              </a:lnRef>
-              <a:fillRef idx="2">
-                <a:schemeClr val="accent2"/>
-              </a:fillRef>
-              <a:effectRef idx="1">
-                <a:schemeClr val="accent2"/>
-              </a:effectRef>
-              <a:fontRef idx="minor">
-                <a:schemeClr val="dk1"/>
-              </a:fontRef>
-            </p:style>
-            <p:txBody>
-              <a:bodyPr rtlCol="0" anchor="ctr"/>
-              <a:lstStyle/>
-              <a:p>
-                <a:pPr algn="ctr"/>
-                <a:r>
-                  <a:rPr lang="en-US" sz="1200" b="1" dirty="0">
-                    <a:solidFill>
-                      <a:schemeClr val="tx1"/>
-                    </a:solidFill>
-                  </a:rPr>
-                  <a:t>Model</a:t>
-                </a:r>
-                <a:endParaRPr lang="en-SG" sz="1200" b="1" dirty="0">
-                  <a:solidFill>
-                    <a:schemeClr val="tx1"/>
-                  </a:solidFill>
-                </a:endParaRPr>
-              </a:p>
-            </p:txBody>
-          </p:sp>
-          <p:sp>
-            <p:nvSpPr>
-              <p:cNvPr id="12" name="Rectangle 62"/>
-              <p:cNvSpPr/>
-              <p:nvPr/>
-            </p:nvSpPr>
-            <p:spPr>
-              <a:xfrm>
-                <a:off x="7509777" y="4737156"/>
-                <a:ext cx="972379" cy="409807"/>
-              </a:xfrm>
-              <a:prstGeom prst="rect">
-                <a:avLst/>
-              </a:prstGeom>
-              <a:noFill/>
-              <a:ln w="19050">
-                <a:solidFill>
-                  <a:schemeClr val="tx1"/>
-                </a:solidFill>
-              </a:ln>
-              <a:effectLst/>
-            </p:spPr>
-            <p:style>
-              <a:lnRef idx="1">
-                <a:schemeClr val="accent1"/>
-              </a:lnRef>
-              <a:fillRef idx="2">
-                <a:schemeClr val="accent1"/>
-              </a:fillRef>
-              <a:effectRef idx="1">
-                <a:schemeClr val="accent1"/>
-              </a:effectRef>
-              <a:fontRef idx="minor">
-                <a:schemeClr val="dk1"/>
-              </a:fontRef>
-            </p:style>
-            <p:txBody>
-              <a:bodyPr rtlCol="0" anchor="ctr"/>
-              <a:lstStyle/>
-              <a:p>
-                <a:pPr algn="ctr"/>
-                <a:r>
-                  <a:rPr lang="en-US" sz="1200" b="1" dirty="0">
-                    <a:solidFill>
-                      <a:schemeClr val="tx1"/>
-                    </a:solidFill>
-                  </a:rPr>
-                  <a:t>{abstract}</a:t>
-                </a:r>
-                <a:br>
-                  <a:rPr lang="en-US" sz="1200" b="1" dirty="0">
-                    <a:solidFill>
-                      <a:schemeClr val="tx1"/>
-                    </a:solidFill>
-                  </a:rPr>
-                </a:br>
-                <a:r>
-                  <a:rPr lang="en-US" sz="1200" b="1" dirty="0">
-                    <a:solidFill>
-                      <a:schemeClr val="tx1"/>
-                    </a:solidFill>
-                  </a:rPr>
-                  <a:t>Command</a:t>
-                </a:r>
-                <a:endParaRPr lang="en-SG" sz="1200" b="1" dirty="0">
-                  <a:solidFill>
-                    <a:schemeClr val="tx1"/>
-                  </a:solidFill>
-                </a:endParaRPr>
-              </a:p>
-            </p:txBody>
-          </p:sp>
-          <p:sp>
-            <p:nvSpPr>
-              <p:cNvPr id="16" name="Rectangle 62"/>
-              <p:cNvSpPr/>
-              <p:nvPr/>
-            </p:nvSpPr>
-            <p:spPr>
-              <a:xfrm>
-                <a:off x="2822648" y="4035103"/>
-                <a:ext cx="1316572" cy="454406"/>
-              </a:xfrm>
-              <a:prstGeom prst="rect">
-                <a:avLst/>
-              </a:prstGeom>
-              <a:noFill/>
-              <a:ln>
-                <a:solidFill>
-                  <a:schemeClr val="tx1"/>
-                </a:solidFill>
-              </a:ln>
-              <a:effectLst/>
-            </p:spPr>
-            <p:style>
-              <a:lnRef idx="1">
-                <a:schemeClr val="accent5"/>
-              </a:lnRef>
-              <a:fillRef idx="2">
-                <a:schemeClr val="accent5"/>
-              </a:fillRef>
-              <a:effectRef idx="1">
-                <a:schemeClr val="accent5"/>
-              </a:effectRef>
-              <a:fontRef idx="minor">
-                <a:schemeClr val="dk1"/>
-              </a:fontRef>
-            </p:style>
-            <p:txBody>
-              <a:bodyPr rtlCol="0" anchor="ctr"/>
-              <a:lstStyle/>
-              <a:p>
-                <a:pPr algn="ctr"/>
-                <a:r>
-                  <a:rPr lang="en-US" sz="1200" dirty="0" err="1">
-                    <a:solidFill>
-                      <a:schemeClr val="tx1"/>
-                    </a:solidFill>
-                  </a:rPr>
-                  <a:t>CardBank</a:t>
-                </a:r>
-                <a:endParaRPr lang="en-US" sz="1200" dirty="0">
-                  <a:solidFill>
-                    <a:schemeClr val="tx1"/>
-                  </a:solidFill>
-                </a:endParaRPr>
-              </a:p>
-              <a:p>
-                <a:pPr algn="ctr"/>
-                <a:r>
-                  <a:rPr lang="en-US" sz="1200" dirty="0">
-                    <a:solidFill>
-                      <a:schemeClr val="tx1"/>
-                    </a:solidFill>
-                  </a:rPr>
-                  <a:t>Parser</a:t>
-                </a:r>
-                <a:endParaRPr lang="en-SG" sz="1200" dirty="0">
-                  <a:solidFill>
-                    <a:schemeClr val="tx1"/>
-                  </a:solidFill>
-                </a:endParaRPr>
-              </a:p>
-            </p:txBody>
-          </p:sp>
-          <p:cxnSp>
-            <p:nvCxnSpPr>
-              <p:cNvPr id="18" name="Straight Arrow Connector 110"/>
-              <p:cNvCxnSpPr>
-                <a:stCxn id="12" idx="2"/>
-              </p:cNvCxnSpPr>
-              <p:nvPr/>
-            </p:nvCxnSpPr>
-            <p:spPr>
-              <a:xfrm>
-                <a:off x="7995968" y="5146964"/>
-                <a:ext cx="0" cy="332747"/>
-              </a:xfrm>
-              <a:prstGeom prst="straightConnector1">
-                <a:avLst/>
-              </a:prstGeom>
-              <a:ln w="19050">
-                <a:solidFill>
-                  <a:schemeClr val="tx1"/>
-                </a:solidFill>
-                <a:prstDash val="sysDot"/>
-                <a:headEnd type="none" w="med" len="med"/>
-                <a:tailEnd type="arrow" w="med" len="med"/>
-              </a:ln>
-              <a:effectLst/>
-            </p:spPr>
-            <p:style>
-              <a:lnRef idx="1">
-                <a:schemeClr val="accent2"/>
-              </a:lnRef>
-              <a:fillRef idx="2">
-                <a:schemeClr val="accent2"/>
-              </a:fillRef>
-              <a:effectRef idx="1">
-                <a:schemeClr val="accent2"/>
-              </a:effectRef>
-              <a:fontRef idx="minor">
-                <a:schemeClr val="dk1"/>
-              </a:fontRef>
-            </p:style>
-          </p:cxnSp>
-          <p:sp>
-            <p:nvSpPr>
-              <p:cNvPr id="19" name="Rectangle 62"/>
-              <p:cNvSpPr/>
-              <p:nvPr/>
-            </p:nvSpPr>
-            <p:spPr>
-              <a:xfrm rot="16200000">
-                <a:off x="-690268" y="2362039"/>
-                <a:ext cx="2611582" cy="436740"/>
-              </a:xfrm>
-              <a:prstGeom prst="rect">
-                <a:avLst/>
-              </a:prstGeom>
-              <a:noFill/>
-              <a:ln w="19050">
-                <a:solidFill>
-                  <a:schemeClr val="tx1"/>
-                </a:solidFill>
-              </a:ln>
-              <a:effectLst/>
-            </p:spPr>
-            <p:style>
-              <a:lnRef idx="1">
-                <a:schemeClr val="accent2"/>
-              </a:lnRef>
-              <a:fillRef idx="2">
-                <a:schemeClr val="accent2"/>
-              </a:fillRef>
-              <a:effectRef idx="1">
-                <a:schemeClr val="accent2"/>
-              </a:effectRef>
-              <a:fontRef idx="minor">
-                <a:schemeClr val="dk1"/>
-              </a:fontRef>
-            </p:style>
-            <p:txBody>
-              <a:bodyPr rtlCol="0" anchor="ctr"/>
-              <a:lstStyle/>
-              <a:p>
-                <a:pPr algn="ctr"/>
-                <a:r>
-                  <a:rPr lang="en-US" sz="1200" dirty="0">
-                    <a:solidFill>
-                      <a:schemeClr val="tx1"/>
-                    </a:solidFill>
-                  </a:rPr>
-                  <a:t>&lt;&lt;interface&gt;&gt;</a:t>
-                </a:r>
-              </a:p>
-              <a:p>
-                <a:pPr algn="ctr"/>
-                <a:r>
-                  <a:rPr lang="en-US" sz="1200" dirty="0">
-                    <a:solidFill>
-                      <a:schemeClr val="tx1"/>
-                    </a:solidFill>
-                  </a:rPr>
-                  <a:t>Logic</a:t>
-                </a:r>
-                <a:endParaRPr lang="en-SG" sz="1200" dirty="0">
-                  <a:solidFill>
-                    <a:schemeClr val="tx1"/>
-                  </a:solidFill>
-                </a:endParaRPr>
-              </a:p>
-            </p:txBody>
-          </p:sp>
-          <p:sp>
-            <p:nvSpPr>
-              <p:cNvPr id="20" name="Isosceles Triangle 102"/>
-              <p:cNvSpPr/>
-              <p:nvPr/>
-            </p:nvSpPr>
-            <p:spPr>
-              <a:xfrm>
-                <a:off x="434180" y="3886200"/>
-                <a:ext cx="340697" cy="207436"/>
-              </a:xfrm>
-              <a:prstGeom prst="triangle">
-                <a:avLst/>
-              </a:prstGeom>
-              <a:noFill/>
-              <a:ln w="19050">
-                <a:solidFill>
-                  <a:schemeClr val="tx1"/>
-                </a:solidFill>
-              </a:ln>
-              <a:effectLst/>
-            </p:spPr>
-            <p:style>
-              <a:lnRef idx="1">
-                <a:schemeClr val="accent1"/>
-              </a:lnRef>
-              <a:fillRef idx="2">
-                <a:schemeClr val="accent1"/>
-              </a:fillRef>
-              <a:effectRef idx="1">
-                <a:schemeClr val="accent1"/>
-              </a:effectRef>
-              <a:fontRef idx="minor">
-                <a:schemeClr val="dk1"/>
-              </a:fontRef>
-            </p:style>
-            <p:txBody>
-              <a:bodyPr rtlCol="0" anchor="ctr"/>
-              <a:lstStyle/>
-              <a:p>
-                <a:pPr algn="ctr"/>
-                <a:endParaRPr lang="en-SG" sz="1200" b="1">
-                  <a:solidFill>
-                    <a:schemeClr val="tx1"/>
-                  </a:solidFill>
-                </a:endParaRPr>
-              </a:p>
-            </p:txBody>
-          </p:sp>
-          <p:cxnSp>
-            <p:nvCxnSpPr>
-              <p:cNvPr id="21" name="Elbow Connector 63"/>
-              <p:cNvCxnSpPr>
-                <a:stCxn id="5" idx="1"/>
-                <a:endCxn id="20" idx="3"/>
-              </p:cNvCxnSpPr>
-              <p:nvPr/>
-            </p:nvCxnSpPr>
-            <p:spPr>
-              <a:xfrm rot="10800000">
-                <a:off x="604529" y="4093637"/>
-                <a:ext cx="362990" cy="180094"/>
-              </a:xfrm>
-              <a:prstGeom prst="bentConnector2">
-                <a:avLst/>
-              </a:prstGeom>
-              <a:ln w="19050">
-                <a:solidFill>
-                  <a:schemeClr val="tx1"/>
-                </a:solidFill>
-                <a:prstDash val="sysDot"/>
-                <a:headEnd type="none" w="med" len="med"/>
-                <a:tailEnd type="none" w="med" len="med"/>
-              </a:ln>
-              <a:effectLst/>
-            </p:spPr>
-            <p:style>
-              <a:lnRef idx="1">
-                <a:schemeClr val="accent2"/>
-              </a:lnRef>
-              <a:fillRef idx="2">
-                <a:schemeClr val="accent2"/>
-              </a:fillRef>
-              <a:effectRef idx="1">
-                <a:schemeClr val="accent2"/>
-              </a:effectRef>
-              <a:fontRef idx="minor">
-                <a:schemeClr val="dk1"/>
-              </a:fontRef>
-            </p:style>
-          </p:cxnSp>
-          <p:cxnSp>
-            <p:nvCxnSpPr>
-              <p:cNvPr id="23" name="Straight Arrow Connector 57"/>
-              <p:cNvCxnSpPr>
-                <a:stCxn id="5" idx="2"/>
-              </p:cNvCxnSpPr>
-              <p:nvPr/>
-            </p:nvCxnSpPr>
-            <p:spPr>
-              <a:xfrm>
-                <a:off x="1656229" y="4478634"/>
-                <a:ext cx="1733" cy="1010267"/>
-              </a:xfrm>
-              <a:prstGeom prst="straightConnector1">
-                <a:avLst/>
-              </a:prstGeom>
-              <a:ln w="19050">
-                <a:solidFill>
-                  <a:schemeClr val="tx1"/>
-                </a:solidFill>
-                <a:headEnd type="none" w="med" len="med"/>
-                <a:tailEnd type="arrow" w="med" len="med"/>
-              </a:ln>
-              <a:effectLst/>
-            </p:spPr>
-            <p:style>
-              <a:lnRef idx="1">
-                <a:schemeClr val="accent2"/>
-              </a:lnRef>
-              <a:fillRef idx="2">
-                <a:schemeClr val="accent2"/>
-              </a:fillRef>
-              <a:effectRef idx="1">
-                <a:schemeClr val="accent2"/>
-              </a:effectRef>
-              <a:fontRef idx="minor">
-                <a:schemeClr val="dk1"/>
-              </a:fontRef>
-            </p:style>
-          </p:cxnSp>
-          <p:cxnSp>
-            <p:nvCxnSpPr>
-              <p:cNvPr id="25" name="Elbow Connector 63"/>
-              <p:cNvCxnSpPr>
-                <a:endCxn id="12" idx="1"/>
-              </p:cNvCxnSpPr>
-              <p:nvPr/>
-            </p:nvCxnSpPr>
-            <p:spPr>
-              <a:xfrm>
-                <a:off x="1596429" y="4489509"/>
-                <a:ext cx="5913349" cy="452551"/>
-              </a:xfrm>
-              <a:prstGeom prst="bentConnector3">
-                <a:avLst>
-                  <a:gd name="adj1" fmla="val -81"/>
-                </a:avLst>
-              </a:prstGeom>
-              <a:ln w="19050">
-                <a:solidFill>
-                  <a:schemeClr val="tx1"/>
-                </a:solidFill>
-                <a:prstDash val="sysDot"/>
-                <a:headEnd type="none" w="med" len="med"/>
-                <a:tailEnd type="arrow" w="med" len="med"/>
-              </a:ln>
-              <a:effectLst/>
-            </p:spPr>
-            <p:style>
-              <a:lnRef idx="1">
-                <a:schemeClr val="accent2"/>
-              </a:lnRef>
-              <a:fillRef idx="2">
-                <a:schemeClr val="accent2"/>
-              </a:fillRef>
-              <a:effectRef idx="1">
-                <a:schemeClr val="accent2"/>
-              </a:effectRef>
-              <a:fontRef idx="minor">
-                <a:schemeClr val="dk1"/>
-              </a:fontRef>
-            </p:style>
-          </p:cxnSp>
-          <p:grpSp>
-            <p:nvGrpSpPr>
-              <p:cNvPr id="26" name="Group 25"/>
-              <p:cNvGrpSpPr/>
-              <p:nvPr/>
-            </p:nvGrpSpPr>
-            <p:grpSpPr>
-              <a:xfrm>
-                <a:off x="4512859" y="4964217"/>
-                <a:ext cx="1119685" cy="272801"/>
-                <a:chOff x="2895600" y="807932"/>
-                <a:chExt cx="889000" cy="230832"/>
-              </a:xfrm>
-              <a:noFill/>
-            </p:grpSpPr>
-            <p:sp>
-              <p:nvSpPr>
-                <p:cNvPr id="27" name="TextBox 26"/>
-                <p:cNvSpPr txBox="1"/>
-                <p:nvPr/>
-              </p:nvSpPr>
-              <p:spPr>
-                <a:xfrm>
-                  <a:off x="2895600" y="807932"/>
-                  <a:ext cx="728806" cy="230832"/>
-                </a:xfrm>
-                <a:prstGeom prst="rect">
-                  <a:avLst/>
-                </a:prstGeom>
-                <a:grpFill/>
-                <a:ln>
-                  <a:solidFill>
-                    <a:schemeClr val="bg1"/>
-                  </a:solidFill>
-                </a:ln>
-              </p:spPr>
-              <p:txBody>
-                <a:bodyPr wrap="square" lIns="0" tIns="0" rIns="0" bIns="0" rtlCol="0">
-                  <a:noAutofit/>
-                </a:bodyPr>
-                <a:lstStyle/>
-                <a:p>
-                  <a:pPr algn="r"/>
-                  <a:r>
-                    <a:rPr lang="en-US" sz="1200" dirty="0"/>
-                    <a:t>executes</a:t>
-                  </a:r>
-                  <a:endParaRPr lang="en-SG" sz="1200" dirty="0"/>
-                </a:p>
-              </p:txBody>
-            </p:sp>
-            <p:sp>
-              <p:nvSpPr>
-                <p:cNvPr id="28" name="Isosceles Triangle 27"/>
-                <p:cNvSpPr/>
-                <p:nvPr/>
-              </p:nvSpPr>
-              <p:spPr>
-                <a:xfrm rot="5400000">
-                  <a:off x="3683524" y="866776"/>
-                  <a:ext cx="125951" cy="76201"/>
-                </a:xfrm>
-                <a:prstGeom prst="triangle">
-                  <a:avLst/>
-                </a:prstGeom>
-                <a:grpFill/>
-                <a:ln>
-                  <a:solidFill>
-                    <a:schemeClr val="tx1"/>
-                  </a:solidFill>
-                </a:ln>
-              </p:spPr>
-              <p:style>
-                <a:lnRef idx="2">
-                  <a:schemeClr val="accent1">
-                    <a:shade val="50000"/>
-                  </a:schemeClr>
-                </a:lnRef>
-                <a:fillRef idx="1">
-                  <a:schemeClr val="accent1"/>
-                </a:fillRef>
-                <a:effectRef idx="0">
-                  <a:schemeClr val="accent1"/>
-                </a:effectRef>
-                <a:fontRef idx="minor">
-                  <a:schemeClr val="lt1"/>
-                </a:fontRef>
-              </p:style>
-              <p:txBody>
-                <a:bodyPr rtlCol="0" anchor="ctr"/>
-                <a:lstStyle/>
-                <a:p>
-                  <a:pPr algn="ctr"/>
-                  <a:endParaRPr lang="en-SG" sz="1200">
-                    <a:solidFill>
-                      <a:schemeClr val="tx1"/>
-                    </a:solidFill>
-                  </a:endParaRPr>
-                </a:p>
-              </p:txBody>
-            </p:sp>
-          </p:grpSp>
-          <p:grpSp>
-            <p:nvGrpSpPr>
-              <p:cNvPr id="29" name="Group 28"/>
-              <p:cNvGrpSpPr/>
-              <p:nvPr/>
-            </p:nvGrpSpPr>
-            <p:grpSpPr>
-              <a:xfrm>
-                <a:off x="4598139" y="1274618"/>
-                <a:ext cx="1093952" cy="272801"/>
-                <a:chOff x="2755838" y="789460"/>
-                <a:chExt cx="868568" cy="230832"/>
-              </a:xfrm>
-              <a:noFill/>
-            </p:grpSpPr>
-            <p:sp>
-              <p:nvSpPr>
-                <p:cNvPr id="30" name="TextBox 29"/>
-                <p:cNvSpPr txBox="1"/>
-                <p:nvPr/>
-              </p:nvSpPr>
-              <p:spPr>
-                <a:xfrm>
-                  <a:off x="2895600" y="789460"/>
-                  <a:ext cx="728806" cy="230832"/>
-                </a:xfrm>
-                <a:prstGeom prst="rect">
-                  <a:avLst/>
-                </a:prstGeom>
-                <a:grpFill/>
-                <a:ln>
-                  <a:solidFill>
-                    <a:schemeClr val="bg1"/>
-                  </a:solidFill>
-                </a:ln>
-              </p:spPr>
-              <p:txBody>
-                <a:bodyPr wrap="square" lIns="0" tIns="0" rIns="0" bIns="0" rtlCol="0">
-                  <a:noAutofit/>
-                </a:bodyPr>
-                <a:lstStyle/>
-                <a:p>
-                  <a:r>
-                    <a:rPr lang="en-US" sz="1200" dirty="0"/>
-                    <a:t>produces</a:t>
-                  </a:r>
-                  <a:endParaRPr lang="en-SG" sz="1200" dirty="0"/>
-                </a:p>
-              </p:txBody>
-            </p:sp>
-            <p:sp>
-              <p:nvSpPr>
-                <p:cNvPr id="31" name="Isosceles Triangle 30"/>
-                <p:cNvSpPr/>
-                <p:nvPr/>
-              </p:nvSpPr>
-              <p:spPr>
-                <a:xfrm rot="16200000" flipH="1">
-                  <a:off x="2730963" y="857181"/>
-                  <a:ext cx="125951" cy="76201"/>
-                </a:xfrm>
-                <a:prstGeom prst="triangle">
-                  <a:avLst/>
-                </a:prstGeom>
-                <a:grpFill/>
-                <a:ln>
-                  <a:solidFill>
-                    <a:schemeClr val="tx1"/>
-                  </a:solidFill>
-                </a:ln>
-              </p:spPr>
-              <p:style>
-                <a:lnRef idx="2">
-                  <a:schemeClr val="accent1">
-                    <a:shade val="50000"/>
-                  </a:schemeClr>
-                </a:lnRef>
-                <a:fillRef idx="1">
-                  <a:schemeClr val="accent1"/>
-                </a:fillRef>
-                <a:effectRef idx="0">
-                  <a:schemeClr val="accent1"/>
-                </a:effectRef>
-                <a:fontRef idx="minor">
-                  <a:schemeClr val="lt1"/>
-                </a:fontRef>
-              </p:style>
-              <p:txBody>
-                <a:bodyPr rtlCol="0" anchor="ctr"/>
-                <a:lstStyle/>
-                <a:p>
-                  <a:pPr algn="ctr"/>
-                  <a:endParaRPr lang="en-SG" sz="1200">
-                    <a:solidFill>
-                      <a:schemeClr val="tx1"/>
-                    </a:solidFill>
-                  </a:endParaRPr>
-                </a:p>
-              </p:txBody>
-            </p:sp>
-          </p:grpSp>
-          <p:sp>
-            <p:nvSpPr>
-              <p:cNvPr id="33" name="TextBox 32"/>
+              <p:cNvPr id="27" name="TextBox 26"/>
               <p:cNvSpPr txBox="1"/>
               <p:nvPr/>
             </p:nvSpPr>
             <p:spPr>
               <a:xfrm>
-                <a:off x="2561407" y="4246418"/>
-                <a:ext cx="165139" cy="272801"/>
+                <a:off x="2895600" y="807932"/>
+                <a:ext cx="728806" cy="230832"/>
               </a:xfrm>
               <a:prstGeom prst="rect">
                 <a:avLst/>
               </a:prstGeom>
-              <a:noFill/>
+              <a:grpFill/>
               <a:ln>
-                <a:solidFill>
-                  <a:schemeClr val="bg1"/>
-                </a:solidFill>
+                <a:noFill/>
               </a:ln>
             </p:spPr>
             <p:txBody>
@@ -4556,1009 +4346,29 @@
               <a:p>
                 <a:pPr algn="r"/>
                 <a:r>
-                  <a:rPr lang="en-US" sz="1200" dirty="0"/>
-                  <a:t>1</a:t>
+                  <a:rPr lang="en-US" sz="1100" dirty="0"/>
+                  <a:t>executes</a:t>
                 </a:r>
-                <a:endParaRPr lang="en-SG" sz="1200" dirty="0"/>
-              </a:p>
-            </p:txBody>
-          </p:sp>
-          <p:cxnSp>
-            <p:nvCxnSpPr>
-              <p:cNvPr id="39" name="Elbow Connector 122"/>
-              <p:cNvCxnSpPr/>
-              <p:nvPr/>
-            </p:nvCxnSpPr>
-            <p:spPr>
-              <a:xfrm rot="5400000" flipH="1" flipV="1">
-                <a:off x="301892" y="2908573"/>
-                <a:ext cx="2327654" cy="3481"/>
-              </a:xfrm>
-              <a:prstGeom prst="bentConnector3">
-                <a:avLst>
-                  <a:gd name="adj1" fmla="val 50000"/>
-                </a:avLst>
-              </a:prstGeom>
-              <a:ln w="19050">
-                <a:solidFill>
-                  <a:schemeClr val="tx1"/>
-                </a:solidFill>
-                <a:prstDash val="sysDot"/>
-                <a:headEnd type="none" w="med" len="med"/>
-                <a:tailEnd type="arrow" w="med" len="med"/>
-              </a:ln>
-              <a:effectLst/>
-            </p:spPr>
-            <p:style>
-              <a:lnRef idx="1">
-                <a:schemeClr val="accent2"/>
-              </a:lnRef>
-              <a:fillRef idx="2">
-                <a:schemeClr val="accent2"/>
-              </a:fillRef>
-              <a:effectRef idx="1">
-                <a:schemeClr val="accent2"/>
-              </a:effectRef>
-              <a:fontRef idx="minor">
-                <a:schemeClr val="dk1"/>
-              </a:fontRef>
-            </p:style>
-          </p:cxnSp>
-          <p:sp>
-            <p:nvSpPr>
-              <p:cNvPr id="56" name="Rectangle 62"/>
-              <p:cNvSpPr/>
-              <p:nvPr/>
-            </p:nvSpPr>
-            <p:spPr>
-              <a:xfrm>
-                <a:off x="2720373" y="2035230"/>
-                <a:ext cx="946011" cy="409807"/>
-              </a:xfrm>
-              <a:prstGeom prst="rect">
-                <a:avLst/>
-              </a:prstGeom>
-              <a:noFill/>
-              <a:ln w="19050">
-                <a:solidFill>
-                  <a:schemeClr val="tx1"/>
-                </a:solidFill>
-              </a:ln>
-              <a:effectLst/>
-            </p:spPr>
-            <p:style>
-              <a:lnRef idx="1">
-                <a:schemeClr val="accent2"/>
-              </a:lnRef>
-              <a:fillRef idx="2">
-                <a:schemeClr val="accent2"/>
-              </a:fillRef>
-              <a:effectRef idx="1">
-                <a:schemeClr val="accent2"/>
-              </a:effectRef>
-              <a:fontRef idx="minor">
-                <a:schemeClr val="dk1"/>
-              </a:fontRef>
-            </p:style>
-            <p:txBody>
-              <a:bodyPr rtlCol="0" anchor="ctr"/>
-              <a:lstStyle/>
-              <a:p>
-                <a:pPr algn="ctr"/>
-                <a:r>
-                  <a:rPr lang="en-US" sz="1200">
-                    <a:solidFill>
-                      <a:schemeClr val="tx1"/>
-                    </a:solidFill>
-                  </a:rPr>
-                  <a:t>Argument</a:t>
-                </a:r>
-                <a:br>
-                  <a:rPr lang="en-US" sz="1200">
-                    <a:solidFill>
-                      <a:schemeClr val="tx1"/>
-                    </a:solidFill>
-                  </a:rPr>
-                </a:br>
-                <a:r>
-                  <a:rPr lang="en-US" sz="1200">
-                    <a:solidFill>
-                      <a:schemeClr val="tx1"/>
-                    </a:solidFill>
-                  </a:rPr>
-                  <a:t>Tokenizer</a:t>
-                </a:r>
-                <a:endParaRPr lang="en-SG" sz="1200" dirty="0">
-                  <a:solidFill>
-                    <a:schemeClr val="tx1"/>
-                  </a:solidFill>
-                </a:endParaRPr>
+                <a:endParaRPr lang="en-SG" sz="1100" dirty="0"/>
               </a:p>
             </p:txBody>
           </p:sp>
           <p:sp>
             <p:nvSpPr>
-              <p:cNvPr id="58" name="Rectangle 62"/>
+              <p:cNvPr id="28" name="Isosceles Triangle 27"/>
               <p:cNvSpPr/>
               <p:nvPr/>
             </p:nvSpPr>
             <p:spPr>
-              <a:xfrm>
-                <a:off x="1541846" y="2734496"/>
-                <a:ext cx="914695" cy="206322"/>
-              </a:xfrm>
-              <a:prstGeom prst="rect">
-                <a:avLst/>
-              </a:prstGeom>
-              <a:noFill/>
-              <a:ln w="19050">
-                <a:solidFill>
-                  <a:schemeClr val="tx1"/>
-                </a:solidFill>
-              </a:ln>
-              <a:effectLst/>
-            </p:spPr>
-            <p:style>
-              <a:lnRef idx="1">
-                <a:schemeClr val="accent2"/>
-              </a:lnRef>
-              <a:fillRef idx="2">
-                <a:schemeClr val="accent2"/>
-              </a:fillRef>
-              <a:effectRef idx="1">
-                <a:schemeClr val="accent2"/>
-              </a:effectRef>
-              <a:fontRef idx="minor">
-                <a:schemeClr val="dk1"/>
-              </a:fontRef>
-            </p:style>
-            <p:txBody>
-              <a:bodyPr rtlCol="0" anchor="ctr"/>
-              <a:lstStyle/>
-              <a:p>
-                <a:pPr algn="ctr"/>
-                <a:r>
-                  <a:rPr lang="en-US" sz="1200" dirty="0">
-                    <a:solidFill>
-                      <a:schemeClr val="tx1"/>
-                    </a:solidFill>
-                  </a:rPr>
-                  <a:t>Prefix</a:t>
-                </a:r>
-                <a:endParaRPr lang="en-SG" sz="1200" dirty="0">
-                  <a:solidFill>
-                    <a:schemeClr val="tx1"/>
-                  </a:solidFill>
-                </a:endParaRPr>
-              </a:p>
-            </p:txBody>
-          </p:sp>
-          <p:sp>
-            <p:nvSpPr>
-              <p:cNvPr id="60" name="Rectangle 62"/>
-              <p:cNvSpPr/>
-              <p:nvPr/>
-            </p:nvSpPr>
-            <p:spPr>
-              <a:xfrm>
-                <a:off x="2735627" y="3192148"/>
-                <a:ext cx="921487" cy="335424"/>
-              </a:xfrm>
-              <a:prstGeom prst="rect">
-                <a:avLst/>
-              </a:prstGeom>
-              <a:noFill/>
-              <a:ln w="19050">
-                <a:solidFill>
-                  <a:schemeClr val="tx1"/>
-                </a:solidFill>
-              </a:ln>
-              <a:effectLst/>
-            </p:spPr>
-            <p:style>
-              <a:lnRef idx="1">
-                <a:schemeClr val="accent2"/>
-              </a:lnRef>
-              <a:fillRef idx="2">
-                <a:schemeClr val="accent2"/>
-              </a:fillRef>
-              <a:effectRef idx="1">
-                <a:schemeClr val="accent2"/>
-              </a:effectRef>
-              <a:fontRef idx="minor">
-                <a:schemeClr val="dk1"/>
-              </a:fontRef>
-            </p:style>
-            <p:txBody>
-              <a:bodyPr rtlCol="0" anchor="ctr"/>
-              <a:lstStyle/>
-              <a:p>
-                <a:pPr algn="ctr"/>
-                <a:r>
-                  <a:rPr lang="en-SG" sz="1200" dirty="0" err="1">
-                    <a:solidFill>
-                      <a:schemeClr val="tx1"/>
-                    </a:solidFill>
-                  </a:rPr>
-                  <a:t>CliSyntax</a:t>
-                </a:r>
-                <a:endParaRPr lang="en-SG" sz="1200" dirty="0">
-                  <a:solidFill>
-                    <a:schemeClr val="tx1"/>
-                  </a:solidFill>
-                </a:endParaRPr>
-              </a:p>
-            </p:txBody>
-          </p:sp>
-          <p:sp>
-            <p:nvSpPr>
-              <p:cNvPr id="62" name="Rectangle 62"/>
-              <p:cNvSpPr/>
-              <p:nvPr/>
-            </p:nvSpPr>
-            <p:spPr>
-              <a:xfrm>
-                <a:off x="2735627" y="3604788"/>
-                <a:ext cx="921487" cy="335424"/>
-              </a:xfrm>
-              <a:prstGeom prst="rect">
-                <a:avLst/>
-              </a:prstGeom>
-              <a:noFill/>
-              <a:ln w="19050">
-                <a:solidFill>
-                  <a:schemeClr val="tx1"/>
-                </a:solidFill>
-              </a:ln>
-              <a:effectLst/>
-            </p:spPr>
-            <p:style>
-              <a:lnRef idx="1">
-                <a:schemeClr val="accent2"/>
-              </a:lnRef>
-              <a:fillRef idx="2">
-                <a:schemeClr val="accent2"/>
-              </a:fillRef>
-              <a:effectRef idx="1">
-                <a:schemeClr val="accent2"/>
-              </a:effectRef>
-              <a:fontRef idx="minor">
-                <a:schemeClr val="dk1"/>
-              </a:fontRef>
-            </p:style>
-            <p:txBody>
-              <a:bodyPr rtlCol="0" anchor="ctr"/>
-              <a:lstStyle/>
-              <a:p>
-                <a:pPr algn="ctr"/>
-                <a:r>
-                  <a:rPr lang="en-SG" sz="1200" dirty="0" err="1">
-                    <a:solidFill>
-                      <a:schemeClr val="tx1"/>
-                    </a:solidFill>
-                  </a:rPr>
-                  <a:t>ParserUtil</a:t>
-                </a:r>
-                <a:endParaRPr lang="en-SG" sz="1200" dirty="0">
-                  <a:solidFill>
-                    <a:schemeClr val="tx1"/>
-                  </a:solidFill>
-                </a:endParaRPr>
-              </a:p>
-            </p:txBody>
-          </p:sp>
-          <p:cxnSp>
-            <p:nvCxnSpPr>
-              <p:cNvPr id="13" name="Elbow Connector 12"/>
-              <p:cNvCxnSpPr>
-                <a:cxnSpLocks/>
-                <a:stCxn id="60" idx="1"/>
-                <a:endCxn id="58" idx="2"/>
-              </p:cNvCxnSpPr>
-              <p:nvPr/>
-            </p:nvCxnSpPr>
-            <p:spPr>
-              <a:xfrm rot="10800000">
-                <a:off x="1999194" y="2940818"/>
-                <a:ext cx="736433" cy="419042"/>
-              </a:xfrm>
-              <a:prstGeom prst="bentConnector2">
-                <a:avLst/>
-              </a:prstGeom>
-              <a:ln w="19050">
-                <a:solidFill>
-                  <a:schemeClr val="tx1"/>
-                </a:solidFill>
-                <a:prstDash val="sysDot"/>
-                <a:headEnd type="none" w="med" len="med"/>
-                <a:tailEnd type="arrow" w="med" len="med"/>
-              </a:ln>
-              <a:effectLst/>
-            </p:spPr>
-            <p:style>
-              <a:lnRef idx="1">
-                <a:schemeClr val="accent2"/>
-              </a:lnRef>
-              <a:fillRef idx="2">
-                <a:schemeClr val="accent2"/>
-              </a:fillRef>
-              <a:effectRef idx="1">
-                <a:schemeClr val="accent2"/>
-              </a:effectRef>
-              <a:fontRef idx="minor">
-                <a:schemeClr val="dk1"/>
-              </a:fontRef>
-            </p:style>
-          </p:cxnSp>
-          <p:cxnSp>
-            <p:nvCxnSpPr>
-              <p:cNvPr id="50" name="Elbow Connector 49"/>
-              <p:cNvCxnSpPr>
-                <a:cxnSpLocks/>
-                <a:stCxn id="56" idx="1"/>
-                <a:endCxn id="58" idx="0"/>
-              </p:cNvCxnSpPr>
-              <p:nvPr/>
-            </p:nvCxnSpPr>
-            <p:spPr>
-              <a:xfrm rot="10800000" flipV="1">
-                <a:off x="1999194" y="2240134"/>
-                <a:ext cx="721178" cy="494362"/>
-              </a:xfrm>
-              <a:prstGeom prst="bentConnector2">
-                <a:avLst/>
-              </a:prstGeom>
-              <a:ln w="19050">
-                <a:solidFill>
-                  <a:schemeClr val="tx1"/>
-                </a:solidFill>
-                <a:prstDash val="sysDot"/>
-                <a:headEnd type="none" w="med" len="med"/>
-                <a:tailEnd type="arrow" w="med" len="med"/>
-              </a:ln>
-              <a:effectLst/>
-            </p:spPr>
-            <p:style>
-              <a:lnRef idx="1">
-                <a:schemeClr val="accent2"/>
-              </a:lnRef>
-              <a:fillRef idx="2">
-                <a:schemeClr val="accent2"/>
-              </a:fillRef>
-              <a:effectRef idx="1">
-                <a:schemeClr val="accent2"/>
-              </a:effectRef>
-              <a:fontRef idx="minor">
-                <a:schemeClr val="dk1"/>
-              </a:fontRef>
-            </p:style>
-          </p:cxnSp>
-          <p:grpSp>
-            <p:nvGrpSpPr>
-              <p:cNvPr id="68" name="Group 67"/>
-              <p:cNvGrpSpPr/>
-              <p:nvPr/>
-            </p:nvGrpSpPr>
-            <p:grpSpPr>
-              <a:xfrm rot="10800000">
-                <a:off x="4625818" y="4306640"/>
-                <a:ext cx="699628" cy="300728"/>
-                <a:chOff x="3703306" y="644022"/>
-                <a:chExt cx="555486" cy="230832"/>
-              </a:xfrm>
-              <a:noFill/>
-            </p:grpSpPr>
-            <p:sp>
-              <p:nvSpPr>
-                <p:cNvPr id="69" name="TextBox 68"/>
-                <p:cNvSpPr txBox="1"/>
-                <p:nvPr/>
-              </p:nvSpPr>
-              <p:spPr>
-                <a:xfrm rot="10800000">
-                  <a:off x="3703306" y="644022"/>
-                  <a:ext cx="555486" cy="230832"/>
-                </a:xfrm>
-                <a:prstGeom prst="rect">
-                  <a:avLst/>
-                </a:prstGeom>
-                <a:grpFill/>
-                <a:ln>
-                  <a:solidFill>
-                    <a:schemeClr val="bg1"/>
-                  </a:solidFill>
-                </a:ln>
-              </p:spPr>
-              <p:txBody>
-                <a:bodyPr wrap="square" lIns="0" tIns="0" rIns="0" bIns="0" rtlCol="0">
-                  <a:noAutofit/>
-                </a:bodyPr>
-                <a:lstStyle/>
-                <a:p>
-                  <a:r>
-                    <a:rPr lang="en-US" sz="1200" dirty="0"/>
-                    <a:t>creates</a:t>
-                  </a:r>
-                  <a:endParaRPr lang="en-SG" sz="1200" dirty="0"/>
-                </a:p>
-              </p:txBody>
-            </p:sp>
-            <p:sp>
-              <p:nvSpPr>
-                <p:cNvPr id="70" name="Isosceles Triangle 69"/>
-                <p:cNvSpPr/>
-                <p:nvPr/>
-              </p:nvSpPr>
-              <p:spPr>
-                <a:xfrm rot="5400000" flipV="1">
-                  <a:off x="3700294" y="741689"/>
-                  <a:ext cx="119885" cy="88141"/>
-                </a:xfrm>
-                <a:prstGeom prst="triangle">
-                  <a:avLst/>
-                </a:prstGeom>
-                <a:grpFill/>
-                <a:ln>
-                  <a:solidFill>
-                    <a:schemeClr val="tx1"/>
-                  </a:solidFill>
-                </a:ln>
-              </p:spPr>
-              <p:style>
-                <a:lnRef idx="2">
-                  <a:schemeClr val="accent1">
-                    <a:shade val="50000"/>
-                  </a:schemeClr>
-                </a:lnRef>
-                <a:fillRef idx="1">
-                  <a:schemeClr val="accent1"/>
-                </a:fillRef>
-                <a:effectRef idx="0">
-                  <a:schemeClr val="accent1"/>
-                </a:effectRef>
-                <a:fontRef idx="minor">
-                  <a:schemeClr val="lt1"/>
-                </a:fontRef>
-              </p:style>
-              <p:txBody>
-                <a:bodyPr rtlCol="0" anchor="ctr"/>
-                <a:lstStyle/>
-                <a:p>
-                  <a:pPr algn="ctr"/>
-                  <a:endParaRPr lang="en-SG" sz="1200">
-                    <a:solidFill>
-                      <a:schemeClr val="tx1"/>
-                    </a:solidFill>
-                  </a:endParaRPr>
-                </a:p>
-              </p:txBody>
-            </p:sp>
-          </p:grpSp>
-          <p:sp>
-            <p:nvSpPr>
-              <p:cNvPr id="87" name="Isosceles Triangle 102"/>
-              <p:cNvSpPr/>
-              <p:nvPr/>
-            </p:nvSpPr>
-            <p:spPr>
-              <a:xfrm flipV="1">
-                <a:off x="7825621" y="4537943"/>
-                <a:ext cx="340697" cy="207436"/>
+              <a:xfrm rot="5400000">
+                <a:off x="3683524" y="866776"/>
+                <a:ext cx="125951" cy="76201"/>
               </a:xfrm>
               <a:prstGeom prst="triangle">
                 <a:avLst/>
               </a:prstGeom>
-              <a:noFill/>
-              <a:ln w="19050">
-                <a:solidFill>
-                  <a:schemeClr val="tx1"/>
-                </a:solidFill>
-              </a:ln>
-              <a:effectLst/>
-            </p:spPr>
-            <p:style>
-              <a:lnRef idx="1">
-                <a:schemeClr val="accent1"/>
-              </a:lnRef>
-              <a:fillRef idx="2">
-                <a:schemeClr val="accent1"/>
-              </a:fillRef>
-              <a:effectRef idx="1">
-                <a:schemeClr val="accent1"/>
-              </a:effectRef>
-              <a:fontRef idx="minor">
-                <a:schemeClr val="dk1"/>
-              </a:fontRef>
-            </p:style>
-            <p:txBody>
-              <a:bodyPr rtlCol="0" anchor="ctr"/>
-              <a:lstStyle/>
-              <a:p>
-                <a:pPr algn="ctr"/>
-                <a:endParaRPr lang="en-SG" sz="1200" b="1">
-                  <a:solidFill>
-                    <a:schemeClr val="tx1"/>
-                  </a:solidFill>
-                </a:endParaRPr>
-              </a:p>
-            </p:txBody>
-          </p:sp>
-          <p:cxnSp>
-            <p:nvCxnSpPr>
-              <p:cNvPr id="96" name="Elbow Connector 95"/>
-              <p:cNvCxnSpPr>
-                <a:stCxn id="87" idx="3"/>
-                <a:endCxn id="4" idx="2"/>
-              </p:cNvCxnSpPr>
-              <p:nvPr/>
-            </p:nvCxnSpPr>
-            <p:spPr>
-              <a:xfrm rot="5400000" flipH="1" flipV="1">
-                <a:off x="7468296" y="4009588"/>
-                <a:ext cx="1056029" cy="683"/>
-              </a:xfrm>
-              <a:prstGeom prst="bentConnector3">
-                <a:avLst>
-                  <a:gd name="adj1" fmla="val 50000"/>
-                </a:avLst>
-              </a:prstGeom>
-              <a:ln w="19050">
-                <a:solidFill>
-                  <a:schemeClr val="tx1"/>
-                </a:solidFill>
-                <a:headEnd type="none" w="med" len="med"/>
-                <a:tailEnd type="none" w="med" len="med"/>
-              </a:ln>
-            </p:spPr>
-            <p:style>
-              <a:lnRef idx="1">
-                <a:schemeClr val="accent1"/>
-              </a:lnRef>
-              <a:fillRef idx="0">
-                <a:schemeClr val="accent1"/>
-              </a:fillRef>
-              <a:effectRef idx="0">
-                <a:schemeClr val="accent1"/>
-              </a:effectRef>
-              <a:fontRef idx="minor">
-                <a:schemeClr val="tx1"/>
-              </a:fontRef>
-            </p:style>
-          </p:cxnSp>
-          <p:cxnSp>
-            <p:nvCxnSpPr>
-              <p:cNvPr id="122" name="Elbow Connector 63"/>
-              <p:cNvCxnSpPr>
-                <a:cxnSpLocks/>
-                <a:stCxn id="42" idx="1"/>
-                <a:endCxn id="4" idx="3"/>
-              </p:cNvCxnSpPr>
-              <p:nvPr/>
-            </p:nvCxnSpPr>
-            <p:spPr>
-              <a:xfrm flipV="1">
-                <a:off x="6362957" y="3277011"/>
-                <a:ext cx="1022637" cy="779"/>
-              </a:xfrm>
-              <a:prstGeom prst="bentConnector3">
-                <a:avLst>
-                  <a:gd name="adj1" fmla="val 50000"/>
-                </a:avLst>
-              </a:prstGeom>
-              <a:ln w="19050">
-                <a:solidFill>
-                  <a:schemeClr val="tx1"/>
-                </a:solidFill>
-                <a:prstDash val="sysDot"/>
-                <a:headEnd type="none" w="med" len="med"/>
-                <a:tailEnd type="arrow" w="med" len="med"/>
-              </a:ln>
-              <a:effectLst/>
-            </p:spPr>
-            <p:style>
-              <a:lnRef idx="1">
-                <a:schemeClr val="accent2"/>
-              </a:lnRef>
-              <a:fillRef idx="2">
-                <a:schemeClr val="accent2"/>
-              </a:fillRef>
-              <a:effectRef idx="1">
-                <a:schemeClr val="accent2"/>
-              </a:effectRef>
-              <a:fontRef idx="minor">
-                <a:schemeClr val="dk1"/>
-              </a:fontRef>
-            </p:style>
-          </p:cxnSp>
-          <p:sp>
-            <p:nvSpPr>
-              <p:cNvPr id="109" name="Rectangle 62"/>
-              <p:cNvSpPr/>
-              <p:nvPr/>
-            </p:nvSpPr>
-            <p:spPr>
-              <a:xfrm>
-                <a:off x="2720373" y="2634809"/>
-                <a:ext cx="944813" cy="402714"/>
-              </a:xfrm>
-              <a:prstGeom prst="rect">
-                <a:avLst/>
-              </a:prstGeom>
-              <a:noFill/>
-              <a:ln w="19050">
-                <a:solidFill>
-                  <a:schemeClr val="tx1"/>
-                </a:solidFill>
-              </a:ln>
-              <a:effectLst/>
-            </p:spPr>
-            <p:style>
-              <a:lnRef idx="1">
-                <a:schemeClr val="accent2"/>
-              </a:lnRef>
-              <a:fillRef idx="2">
-                <a:schemeClr val="accent2"/>
-              </a:fillRef>
-              <a:effectRef idx="1">
-                <a:schemeClr val="accent2"/>
-              </a:effectRef>
-              <a:fontRef idx="minor">
-                <a:schemeClr val="dk1"/>
-              </a:fontRef>
-            </p:style>
-            <p:txBody>
-              <a:bodyPr rtlCol="0" anchor="ctr"/>
-              <a:lstStyle/>
-              <a:p>
-                <a:pPr algn="ctr"/>
-                <a:r>
-                  <a:rPr lang="en-SG" sz="1200" dirty="0">
-                    <a:solidFill>
-                      <a:schemeClr val="tx1"/>
-                    </a:solidFill>
-                  </a:rPr>
-                  <a:t>Argument</a:t>
-                </a:r>
-                <a:br>
-                  <a:rPr lang="en-SG" sz="1200" dirty="0">
-                    <a:solidFill>
-                      <a:schemeClr val="tx1"/>
-                    </a:solidFill>
-                  </a:rPr>
-                </a:br>
-                <a:r>
-                  <a:rPr lang="en-SG" sz="1200" dirty="0">
-                    <a:solidFill>
-                      <a:schemeClr val="tx1"/>
-                    </a:solidFill>
-                  </a:rPr>
-                  <a:t>Multimap</a:t>
-                </a:r>
-              </a:p>
-            </p:txBody>
-          </p:sp>
-          <p:cxnSp>
-            <p:nvCxnSpPr>
-              <p:cNvPr id="112" name="Elbow Connector 12"/>
-              <p:cNvCxnSpPr>
-                <a:cxnSpLocks/>
-                <a:stCxn id="109" idx="1"/>
-                <a:endCxn id="58" idx="3"/>
-              </p:cNvCxnSpPr>
-              <p:nvPr/>
-            </p:nvCxnSpPr>
-            <p:spPr>
-              <a:xfrm rot="10800000" flipV="1">
-                <a:off x="2456542" y="2836165"/>
-                <a:ext cx="263831" cy="1490"/>
-              </a:xfrm>
-              <a:prstGeom prst="bentConnector3">
-                <a:avLst>
-                  <a:gd name="adj1" fmla="val 50000"/>
-                </a:avLst>
-              </a:prstGeom>
-              <a:ln w="19050">
-                <a:solidFill>
-                  <a:schemeClr val="tx1"/>
-                </a:solidFill>
-                <a:prstDash val="sysDot"/>
-                <a:headEnd type="none" w="med" len="med"/>
-                <a:tailEnd type="arrow" w="med" len="med"/>
-              </a:ln>
-              <a:effectLst/>
-            </p:spPr>
-            <p:style>
-              <a:lnRef idx="1">
-                <a:schemeClr val="accent2"/>
-              </a:lnRef>
-              <a:fillRef idx="2">
-                <a:schemeClr val="accent2"/>
-              </a:fillRef>
-              <a:effectRef idx="1">
-                <a:schemeClr val="accent2"/>
-              </a:effectRef>
-              <a:fontRef idx="minor">
-                <a:schemeClr val="dk1"/>
-              </a:fontRef>
-            </p:style>
-          </p:cxnSp>
-          <p:cxnSp>
-            <p:nvCxnSpPr>
-              <p:cNvPr id="118" name="Elbow Connector 49"/>
-              <p:cNvCxnSpPr>
-                <a:cxnSpLocks/>
-                <a:stCxn id="56" idx="2"/>
-                <a:endCxn id="109" idx="0"/>
-              </p:cNvCxnSpPr>
-              <p:nvPr/>
-            </p:nvCxnSpPr>
-            <p:spPr>
-              <a:xfrm rot="5400000">
-                <a:off x="3098193" y="2539624"/>
-                <a:ext cx="189772" cy="600"/>
-              </a:xfrm>
-              <a:prstGeom prst="bentConnector3">
-                <a:avLst>
-                  <a:gd name="adj1" fmla="val 50000"/>
-                </a:avLst>
-              </a:prstGeom>
-              <a:ln w="19050">
-                <a:solidFill>
-                  <a:schemeClr val="tx1"/>
-                </a:solidFill>
-                <a:prstDash val="sysDot"/>
-                <a:headEnd type="none" w="med" len="med"/>
-                <a:tailEnd type="arrow" w="med" len="med"/>
-              </a:ln>
-              <a:effectLst/>
-            </p:spPr>
-            <p:style>
-              <a:lnRef idx="1">
-                <a:schemeClr val="accent2"/>
-              </a:lnRef>
-              <a:fillRef idx="2">
-                <a:schemeClr val="accent2"/>
-              </a:fillRef>
-              <a:effectRef idx="1">
-                <a:schemeClr val="accent2"/>
-              </a:effectRef>
-              <a:fontRef idx="minor">
-                <a:schemeClr val="dk1"/>
-              </a:fontRef>
-            </p:style>
-          </p:cxnSp>
-          <p:sp>
-            <p:nvSpPr>
-              <p:cNvPr id="86" name="Rectangle 62"/>
-              <p:cNvSpPr/>
-              <p:nvPr/>
-            </p:nvSpPr>
-            <p:spPr>
-              <a:xfrm>
-                <a:off x="353606" y="4777792"/>
-                <a:ext cx="1015128" cy="409807"/>
-              </a:xfrm>
-              <a:prstGeom prst="rect">
-                <a:avLst/>
-              </a:prstGeom>
-              <a:noFill/>
-              <a:ln w="19050">
-                <a:solidFill>
-                  <a:schemeClr val="tx1"/>
-                </a:solidFill>
-              </a:ln>
-              <a:effectLst/>
-            </p:spPr>
-            <p:style>
-              <a:lnRef idx="1">
-                <a:schemeClr val="accent2"/>
-              </a:lnRef>
-              <a:fillRef idx="2">
-                <a:schemeClr val="accent2"/>
-              </a:fillRef>
-              <a:effectRef idx="1">
-                <a:schemeClr val="accent2"/>
-              </a:effectRef>
-              <a:fontRef idx="minor">
-                <a:schemeClr val="dk1"/>
-              </a:fontRef>
-            </p:style>
-            <p:txBody>
-              <a:bodyPr rtlCol="0" anchor="ctr"/>
-              <a:lstStyle/>
-              <a:p>
-                <a:pPr algn="ctr"/>
-                <a:r>
-                  <a:rPr lang="en-US" sz="1200">
-                    <a:solidFill>
-                      <a:schemeClr val="tx1"/>
-                    </a:solidFill>
-                  </a:rPr>
-                  <a:t>Command</a:t>
-                </a:r>
-              </a:p>
-              <a:p>
-                <a:pPr algn="ctr"/>
-                <a:r>
-                  <a:rPr lang="en-US" sz="1200" dirty="0">
-                    <a:solidFill>
-                      <a:schemeClr val="tx1"/>
-                    </a:solidFill>
-                  </a:rPr>
-                  <a:t>History</a:t>
-                </a:r>
-                <a:endParaRPr lang="en-SG" sz="1200" dirty="0">
-                  <a:solidFill>
-                    <a:schemeClr val="tx1"/>
-                  </a:solidFill>
-                </a:endParaRPr>
-              </a:p>
-            </p:txBody>
-          </p:sp>
-          <p:cxnSp>
-            <p:nvCxnSpPr>
-              <p:cNvPr id="88" name="Straight Arrow Connector 57"/>
-              <p:cNvCxnSpPr/>
-              <p:nvPr/>
-            </p:nvCxnSpPr>
-            <p:spPr>
-              <a:xfrm>
-                <a:off x="1205136" y="4489509"/>
-                <a:ext cx="2547" cy="284371"/>
-              </a:xfrm>
-              <a:prstGeom prst="straightConnector1">
-                <a:avLst/>
-              </a:prstGeom>
-              <a:ln w="19050">
-                <a:solidFill>
-                  <a:schemeClr val="tx1"/>
-                </a:solidFill>
-                <a:headEnd type="none" w="med" len="med"/>
-                <a:tailEnd type="arrow" w="med" len="med"/>
-              </a:ln>
-              <a:effectLst/>
-            </p:spPr>
-            <p:style>
-              <a:lnRef idx="1">
-                <a:schemeClr val="accent2"/>
-              </a:lnRef>
-              <a:fillRef idx="2">
-                <a:schemeClr val="accent2"/>
-              </a:fillRef>
-              <a:effectRef idx="1">
-                <a:schemeClr val="accent2"/>
-              </a:effectRef>
-              <a:fontRef idx="minor">
-                <a:schemeClr val="dk1"/>
-              </a:fontRef>
-            </p:style>
-          </p:cxnSp>
-          <p:sp>
-            <p:nvSpPr>
-              <p:cNvPr id="91" name="TextBox 90"/>
-              <p:cNvSpPr txBox="1"/>
-              <p:nvPr/>
-            </p:nvSpPr>
-            <p:spPr>
-              <a:xfrm>
-                <a:off x="956794" y="4516582"/>
-                <a:ext cx="165139" cy="272801"/>
-              </a:xfrm>
-              <a:prstGeom prst="rect">
-                <a:avLst/>
-              </a:prstGeom>
-              <a:noFill/>
+              <a:grpFill/>
               <a:ln>
-                <a:solidFill>
-                  <a:schemeClr val="bg1"/>
-                </a:solidFill>
-              </a:ln>
-            </p:spPr>
-            <p:txBody>
-              <a:bodyPr wrap="square" lIns="0" tIns="0" rIns="0" bIns="0" rtlCol="0">
-                <a:noAutofit/>
-              </a:bodyPr>
-              <a:lstStyle/>
-              <a:p>
-                <a:pPr algn="r"/>
-                <a:r>
-                  <a:rPr lang="en-US" sz="1200" dirty="0"/>
-                  <a:t>1</a:t>
-                </a:r>
-                <a:endParaRPr lang="en-SG" sz="1200" dirty="0"/>
-              </a:p>
-            </p:txBody>
-          </p:sp>
-          <p:sp>
-            <p:nvSpPr>
-              <p:cNvPr id="97" name="Rectangle 96">
-                <a:extLst>
-                  <a:ext uri="{FF2B5EF4-FFF2-40B4-BE49-F238E27FC236}">
-                    <a16:creationId xmlns:a16="http://schemas.microsoft.com/office/drawing/2014/main" id="{AADE6A0C-89AB-467B-8CEA-5FCF36CE0D21}"/>
-                  </a:ext>
-                </a:extLst>
-              </p:cNvPr>
-              <p:cNvSpPr/>
-              <p:nvPr/>
-            </p:nvSpPr>
-            <p:spPr>
-              <a:xfrm flipH="1">
-                <a:off x="5105104" y="2175164"/>
-                <a:ext cx="1257854" cy="409807"/>
-              </a:xfrm>
-              <a:prstGeom prst="rect">
-                <a:avLst/>
-              </a:prstGeom>
-              <a:noFill/>
-              <a:ln>
-                <a:solidFill>
-                  <a:schemeClr val="tx1"/>
-                </a:solidFill>
-              </a:ln>
-              <a:effectLst/>
-            </p:spPr>
-            <p:style>
-              <a:lnRef idx="1">
-                <a:schemeClr val="accent5"/>
-              </a:lnRef>
-              <a:fillRef idx="2">
-                <a:schemeClr val="accent5"/>
-              </a:fillRef>
-              <a:effectRef idx="1">
-                <a:schemeClr val="accent5"/>
-              </a:effectRef>
-              <a:fontRef idx="minor">
-                <a:schemeClr val="dk1"/>
-              </a:fontRef>
-            </p:style>
-            <p:txBody>
-              <a:bodyPr rtlCol="0" anchor="ctr"/>
-              <a:lstStyle/>
-              <a:p>
-                <a:pPr algn="ctr"/>
-                <a:r>
-                  <a:rPr lang="en-US" sz="1200" b="1" dirty="0">
-                    <a:solidFill>
-                      <a:schemeClr val="tx1"/>
-                    </a:solidFill>
-                  </a:rPr>
-                  <a:t>&lt;&lt;interface&gt;&gt;</a:t>
-                </a:r>
-              </a:p>
-              <a:p>
-                <a:pPr algn="ctr"/>
-                <a:r>
-                  <a:rPr lang="en-US" sz="1200" b="1" dirty="0">
-                    <a:solidFill>
-                      <a:schemeClr val="tx1"/>
-                    </a:solidFill>
-                  </a:rPr>
-                  <a:t>Parser</a:t>
-                </a:r>
-                <a:endParaRPr lang="en-SG" sz="1200" b="1" dirty="0">
-                  <a:solidFill>
-                    <a:schemeClr val="tx1"/>
-                  </a:solidFill>
-                </a:endParaRPr>
-              </a:p>
-            </p:txBody>
-          </p:sp>
-          <p:sp>
-            <p:nvSpPr>
-              <p:cNvPr id="75" name="Isosceles Triangle 102"/>
-              <p:cNvSpPr/>
-              <p:nvPr/>
-            </p:nvSpPr>
-            <p:spPr>
-              <a:xfrm flipH="1">
-                <a:off x="5563682" y="2584971"/>
-                <a:ext cx="340697" cy="207436"/>
-              </a:xfrm>
-              <a:prstGeom prst="triangle">
-                <a:avLst/>
-              </a:prstGeom>
-              <a:noFill/>
-              <a:ln w="12700">
                 <a:solidFill>
                   <a:schemeClr val="tx1"/>
                 </a:solidFill>
@@ -5566,15 +4376,15 @@
             </p:spPr>
             <p:style>
               <a:lnRef idx="2">
-                <a:schemeClr val="accent5">
+                <a:schemeClr val="accent1">
                   <a:shade val="50000"/>
                 </a:schemeClr>
               </a:lnRef>
               <a:fillRef idx="1">
-                <a:schemeClr val="accent5"/>
+                <a:schemeClr val="accent1"/>
               </a:fillRef>
               <a:effectRef idx="0">
-                <a:schemeClr val="accent5"/>
+                <a:schemeClr val="accent1"/>
               </a:effectRef>
               <a:fontRef idx="minor">
                 <a:schemeClr val="lt1"/>
@@ -5585,7 +4395,7 @@
               <a:lstStyle/>
               <a:p>
                 <a:pPr algn="ctr"/>
-                <a:endParaRPr lang="en-SG" sz="1200" b="1">
+                <a:endParaRPr lang="en-SG">
                   <a:solidFill>
                     <a:schemeClr val="tx1"/>
                   </a:solidFill>
@@ -5593,699 +4403,39 @@
               </a:p>
             </p:txBody>
           </p:sp>
-          <p:grpSp>
-            <p:nvGrpSpPr>
-              <p:cNvPr id="85" name="Group 84"/>
-              <p:cNvGrpSpPr/>
-              <p:nvPr/>
-            </p:nvGrpSpPr>
-            <p:grpSpPr>
-              <a:xfrm rot="5400000">
-                <a:off x="6755958" y="3105926"/>
-                <a:ext cx="262723" cy="753534"/>
-                <a:chOff x="3965759" y="592436"/>
-                <a:chExt cx="254462" cy="503902"/>
-              </a:xfrm>
-              <a:noFill/>
-            </p:grpSpPr>
-            <p:sp>
-              <p:nvSpPr>
-                <p:cNvPr id="89" name="TextBox 88"/>
-                <p:cNvSpPr txBox="1"/>
-                <p:nvPr/>
-              </p:nvSpPr>
-              <p:spPr>
-                <a:xfrm rot="16200000">
-                  <a:off x="3841039" y="717156"/>
-                  <a:ext cx="503902" cy="254462"/>
-                </a:xfrm>
-                <a:prstGeom prst="rect">
-                  <a:avLst/>
-                </a:prstGeom>
-                <a:grpFill/>
-                <a:ln>
-                  <a:solidFill>
-                    <a:schemeClr val="bg1"/>
-                  </a:solidFill>
-                </a:ln>
-              </p:spPr>
-              <p:txBody>
-                <a:bodyPr wrap="square" lIns="0" tIns="0" rIns="0" bIns="0" rtlCol="0">
-                  <a:noAutofit/>
-                </a:bodyPr>
-                <a:lstStyle/>
-                <a:p>
-                  <a:r>
-                    <a:rPr lang="en-US" sz="1200" dirty="0"/>
-                    <a:t>creates</a:t>
-                  </a:r>
-                  <a:endParaRPr lang="en-SG" sz="1200" dirty="0"/>
-                </a:p>
-              </p:txBody>
-            </p:sp>
-            <p:sp>
-              <p:nvSpPr>
-                <p:cNvPr id="92" name="Isosceles Triangle 91"/>
-                <p:cNvSpPr/>
-                <p:nvPr/>
-              </p:nvSpPr>
-              <p:spPr>
-                <a:xfrm rot="10800000" flipV="1">
-                  <a:off x="3995991" y="631624"/>
-                  <a:ext cx="132157" cy="79956"/>
-                </a:xfrm>
-                <a:prstGeom prst="triangle">
-                  <a:avLst/>
-                </a:prstGeom>
-                <a:grpFill/>
-                <a:ln>
-                  <a:solidFill>
-                    <a:schemeClr val="bg1"/>
-                  </a:solidFill>
-                </a:ln>
-              </p:spPr>
-              <p:style>
-                <a:lnRef idx="2">
-                  <a:schemeClr val="accent1">
-                    <a:shade val="50000"/>
-                  </a:schemeClr>
-                </a:lnRef>
-                <a:fillRef idx="1">
-                  <a:schemeClr val="accent1"/>
-                </a:fillRef>
-                <a:effectRef idx="0">
-                  <a:schemeClr val="accent1"/>
-                </a:effectRef>
-                <a:fontRef idx="minor">
-                  <a:schemeClr val="lt1"/>
-                </a:fontRef>
-              </p:style>
-              <p:txBody>
-                <a:bodyPr rtlCol="0" anchor="ctr"/>
-                <a:lstStyle/>
-                <a:p>
-                  <a:pPr algn="ctr"/>
-                  <a:endParaRPr lang="en-SG" sz="1200">
-                    <a:solidFill>
-                      <a:schemeClr val="tx1"/>
-                    </a:solidFill>
-                  </a:endParaRPr>
-                </a:p>
-              </p:txBody>
-            </p:sp>
-          </p:grpSp>
-          <p:cxnSp>
-            <p:nvCxnSpPr>
-              <p:cNvPr id="95" name="Straight Connector 94"/>
-              <p:cNvCxnSpPr/>
-              <p:nvPr/>
-            </p:nvCxnSpPr>
-            <p:spPr>
-              <a:xfrm>
-                <a:off x="2367410" y="4191273"/>
-                <a:ext cx="455238" cy="0"/>
-              </a:xfrm>
-              <a:prstGeom prst="line">
-                <a:avLst/>
-              </a:prstGeom>
-              <a:ln w="19050">
-                <a:solidFill>
-                  <a:schemeClr val="tx1"/>
-                </a:solidFill>
-                <a:prstDash val="solid"/>
-                <a:headEnd type="none" w="med" len="med"/>
-                <a:tailEnd type="arrow" w="med" len="med"/>
-              </a:ln>
-              <a:effectLst/>
-            </p:spPr>
-            <p:style>
-              <a:lnRef idx="1">
-                <a:schemeClr val="accent2"/>
-              </a:lnRef>
-              <a:fillRef idx="2">
-                <a:schemeClr val="accent2"/>
-              </a:fillRef>
-              <a:effectRef idx="1">
-                <a:schemeClr val="accent2"/>
-              </a:effectRef>
-              <a:fontRef idx="minor">
-                <a:schemeClr val="dk1"/>
-              </a:fontRef>
-            </p:style>
-          </p:cxnSp>
+        </p:grpSp>
+        <p:grpSp>
+          <p:nvGrpSpPr>
+            <p:cNvPr id="29" name="Group 28"/>
+            <p:cNvGrpSpPr/>
+            <p:nvPr/>
+          </p:nvGrpSpPr>
+          <p:grpSpPr>
+            <a:xfrm>
+              <a:off x="4665110" y="1219200"/>
+              <a:ext cx="868568" cy="230832"/>
+              <a:chOff x="2755838" y="789460"/>
+              <a:chExt cx="868568" cy="230832"/>
+            </a:xfrm>
+            <a:noFill/>
+          </p:grpSpPr>
           <p:sp>
             <p:nvSpPr>
-              <p:cNvPr id="42" name="Rectangle 11"/>
-              <p:cNvSpPr/>
-              <p:nvPr/>
-            </p:nvSpPr>
-            <p:spPr>
-              <a:xfrm flipH="1">
-                <a:off x="5113562" y="3072886"/>
-                <a:ext cx="1249395" cy="409807"/>
-              </a:xfrm>
-              <a:prstGeom prst="rect">
-                <a:avLst/>
-              </a:prstGeom>
-              <a:noFill/>
-              <a:ln>
-                <a:solidFill>
-                  <a:schemeClr val="tx1"/>
-                </a:solidFill>
-              </a:ln>
-              <a:effectLst/>
-            </p:spPr>
-            <p:style>
-              <a:lnRef idx="1">
-                <a:schemeClr val="accent5"/>
-              </a:lnRef>
-              <a:fillRef idx="2">
-                <a:schemeClr val="accent5"/>
-              </a:fillRef>
-              <a:effectRef idx="1">
-                <a:schemeClr val="accent5"/>
-              </a:effectRef>
-              <a:fontRef idx="minor">
-                <a:schemeClr val="dk1"/>
-              </a:fontRef>
-            </p:style>
-            <p:txBody>
-              <a:bodyPr rtlCol="0" anchor="ctr"/>
-              <a:lstStyle/>
-              <a:p>
-                <a:pPr algn="ctr"/>
-                <a:r>
-                  <a:rPr lang="en-US" sz="1200" b="1" dirty="0" err="1">
-                    <a:solidFill>
-                      <a:schemeClr val="tx1"/>
-                    </a:solidFill>
-                  </a:rPr>
-                  <a:t>XYZCommand</a:t>
-                </a:r>
-                <a:endParaRPr lang="en-US" sz="1200" b="1" dirty="0">
-                  <a:solidFill>
-                    <a:schemeClr val="tx1"/>
-                  </a:solidFill>
-                </a:endParaRPr>
-              </a:p>
-              <a:p>
-                <a:pPr algn="ctr"/>
-                <a:r>
-                  <a:rPr lang="en-US" sz="1200" b="1" dirty="0">
-                    <a:solidFill>
-                      <a:schemeClr val="tx1"/>
-                    </a:solidFill>
-                  </a:rPr>
-                  <a:t>Parser</a:t>
-                </a:r>
-                <a:endParaRPr lang="en-SG" sz="1200" b="1" dirty="0">
-                  <a:solidFill>
-                    <a:schemeClr val="tx1"/>
-                  </a:solidFill>
-                </a:endParaRPr>
-              </a:p>
-            </p:txBody>
-          </p:sp>
-          <p:cxnSp>
-            <p:nvCxnSpPr>
-              <p:cNvPr id="101" name="Elbow Connector 12"/>
-              <p:cNvCxnSpPr>
-                <a:cxnSpLocks/>
-                <a:stCxn id="42" idx="3"/>
-              </p:cNvCxnSpPr>
-              <p:nvPr/>
-            </p:nvCxnSpPr>
-            <p:spPr>
-              <a:xfrm rot="10800000">
-                <a:off x="3656828" y="2266708"/>
-                <a:ext cx="1456735" cy="1011081"/>
-              </a:xfrm>
-              <a:prstGeom prst="bentConnector3">
-                <a:avLst>
-                  <a:gd name="adj1" fmla="val 50000"/>
-                </a:avLst>
-              </a:prstGeom>
-              <a:ln w="19050">
-                <a:solidFill>
-                  <a:schemeClr val="tx1"/>
-                </a:solidFill>
-                <a:prstDash val="sysDot"/>
-                <a:headEnd type="none" w="med" len="med"/>
-                <a:tailEnd type="arrow" w="med" len="med"/>
-              </a:ln>
-              <a:effectLst/>
-            </p:spPr>
-            <p:style>
-              <a:lnRef idx="1">
-                <a:schemeClr val="accent2"/>
-              </a:lnRef>
-              <a:fillRef idx="2">
-                <a:schemeClr val="accent2"/>
-              </a:fillRef>
-              <a:effectRef idx="1">
-                <a:schemeClr val="accent2"/>
-              </a:effectRef>
-              <a:fontRef idx="minor">
-                <a:schemeClr val="dk1"/>
-              </a:fontRef>
-            </p:style>
-          </p:cxnSp>
-          <p:cxnSp>
-            <p:nvCxnSpPr>
-              <p:cNvPr id="102" name="Elbow Connector 12"/>
-              <p:cNvCxnSpPr>
-                <a:cxnSpLocks/>
-                <a:stCxn id="42" idx="3"/>
-              </p:cNvCxnSpPr>
-              <p:nvPr/>
-            </p:nvCxnSpPr>
-            <p:spPr>
-              <a:xfrm rot="10800000">
-                <a:off x="3662155" y="2836168"/>
-                <a:ext cx="1451408" cy="441623"/>
-              </a:xfrm>
-              <a:prstGeom prst="bentConnector3">
-                <a:avLst>
-                  <a:gd name="adj1" fmla="val 50000"/>
-                </a:avLst>
-              </a:prstGeom>
-              <a:ln w="19050">
-                <a:solidFill>
-                  <a:schemeClr val="tx1"/>
-                </a:solidFill>
-                <a:prstDash val="sysDot"/>
-                <a:headEnd type="none" w="med" len="med"/>
-                <a:tailEnd type="arrow" w="med" len="med"/>
-              </a:ln>
-              <a:effectLst/>
-            </p:spPr>
-            <p:style>
-              <a:lnRef idx="1">
-                <a:schemeClr val="accent2"/>
-              </a:lnRef>
-              <a:fillRef idx="2">
-                <a:schemeClr val="accent2"/>
-              </a:fillRef>
-              <a:effectRef idx="1">
-                <a:schemeClr val="accent2"/>
-              </a:effectRef>
-              <a:fontRef idx="minor">
-                <a:schemeClr val="dk1"/>
-              </a:fontRef>
-            </p:style>
-          </p:cxnSp>
-          <p:cxnSp>
-            <p:nvCxnSpPr>
-              <p:cNvPr id="103" name="Elbow Connector 12"/>
-              <p:cNvCxnSpPr>
-                <a:cxnSpLocks/>
-                <a:stCxn id="42" idx="3"/>
-              </p:cNvCxnSpPr>
-              <p:nvPr/>
-            </p:nvCxnSpPr>
-            <p:spPr>
-              <a:xfrm rot="10800000" flipV="1">
-                <a:off x="3667480" y="3277789"/>
-                <a:ext cx="1446082" cy="127835"/>
-              </a:xfrm>
-              <a:prstGeom prst="bentConnector3">
-                <a:avLst>
-                  <a:gd name="adj1" fmla="val 50000"/>
-                </a:avLst>
-              </a:prstGeom>
-              <a:ln w="19050">
-                <a:solidFill>
-                  <a:schemeClr val="tx1"/>
-                </a:solidFill>
-                <a:prstDash val="sysDot"/>
-                <a:headEnd type="none" w="med" len="med"/>
-                <a:tailEnd type="arrow" w="med" len="med"/>
-              </a:ln>
-              <a:effectLst/>
-            </p:spPr>
-            <p:style>
-              <a:lnRef idx="1">
-                <a:schemeClr val="accent2"/>
-              </a:lnRef>
-              <a:fillRef idx="2">
-                <a:schemeClr val="accent2"/>
-              </a:fillRef>
-              <a:effectRef idx="1">
-                <a:schemeClr val="accent2"/>
-              </a:effectRef>
-              <a:fontRef idx="minor">
-                <a:schemeClr val="dk1"/>
-              </a:fontRef>
-            </p:style>
-          </p:cxnSp>
-          <p:cxnSp>
-            <p:nvCxnSpPr>
-              <p:cNvPr id="104" name="Elbow Connector 12"/>
-              <p:cNvCxnSpPr>
-                <a:cxnSpLocks/>
-                <a:stCxn id="42" idx="3"/>
-              </p:cNvCxnSpPr>
-              <p:nvPr/>
-            </p:nvCxnSpPr>
-            <p:spPr>
-              <a:xfrm rot="10800000" flipV="1">
-                <a:off x="3672808" y="3277789"/>
-                <a:ext cx="1440756" cy="519846"/>
-              </a:xfrm>
-              <a:prstGeom prst="bentConnector3">
-                <a:avLst>
-                  <a:gd name="adj1" fmla="val 50000"/>
-                </a:avLst>
-              </a:prstGeom>
-              <a:ln w="19050">
-                <a:solidFill>
-                  <a:schemeClr val="tx1"/>
-                </a:solidFill>
-                <a:prstDash val="sysDot"/>
-                <a:headEnd type="none" w="med" len="med"/>
-                <a:tailEnd type="arrow" w="med" len="med"/>
-              </a:ln>
-              <a:effectLst/>
-            </p:spPr>
-            <p:style>
-              <a:lnRef idx="1">
-                <a:schemeClr val="accent2"/>
-              </a:lnRef>
-              <a:fillRef idx="2">
-                <a:schemeClr val="accent2"/>
-              </a:fillRef>
-              <a:effectRef idx="1">
-                <a:schemeClr val="accent2"/>
-              </a:effectRef>
-              <a:fontRef idx="minor">
-                <a:schemeClr val="dk1"/>
-              </a:fontRef>
-            </p:style>
-          </p:cxnSp>
-          <p:cxnSp>
-            <p:nvCxnSpPr>
-              <p:cNvPr id="51" name="Elbow Connector 50"/>
-              <p:cNvCxnSpPr>
-                <a:stCxn id="16" idx="3"/>
-                <a:endCxn id="42" idx="2"/>
-              </p:cNvCxnSpPr>
-              <p:nvPr/>
-            </p:nvCxnSpPr>
-            <p:spPr>
-              <a:xfrm flipV="1">
-                <a:off x="4139221" y="3482693"/>
-                <a:ext cx="1599039" cy="779614"/>
-              </a:xfrm>
-              <a:prstGeom prst="bentConnector2">
-                <a:avLst/>
-              </a:prstGeom>
-              <a:ln w="19050">
-                <a:solidFill>
-                  <a:schemeClr val="tx1"/>
-                </a:solidFill>
-                <a:prstDash val="sysDot"/>
-                <a:headEnd type="none" w="med" len="med"/>
-                <a:tailEnd type="arrow" w="med" len="med"/>
-              </a:ln>
-              <a:effectLst/>
-            </p:spPr>
-            <p:style>
-              <a:lnRef idx="1">
-                <a:schemeClr val="accent2"/>
-              </a:lnRef>
-              <a:fillRef idx="2">
-                <a:schemeClr val="accent2"/>
-              </a:fillRef>
-              <a:effectRef idx="1">
-                <a:schemeClr val="accent2"/>
-              </a:effectRef>
-              <a:fontRef idx="minor">
-                <a:schemeClr val="dk1"/>
-              </a:fontRef>
-            </p:style>
-          </p:cxnSp>
-          <p:cxnSp>
-            <p:nvCxnSpPr>
-              <p:cNvPr id="83" name="Elbow Connector 82"/>
-              <p:cNvCxnSpPr>
-                <a:endCxn id="42" idx="0"/>
-              </p:cNvCxnSpPr>
-              <p:nvPr/>
-            </p:nvCxnSpPr>
-            <p:spPr>
-              <a:xfrm rot="16200000" flipH="1">
-                <a:off x="5597325" y="2931951"/>
-                <a:ext cx="277640" cy="4229"/>
-              </a:xfrm>
-              <a:prstGeom prst="bentConnector3">
-                <a:avLst/>
-              </a:prstGeom>
-              <a:ln>
-                <a:solidFill>
-                  <a:schemeClr val="tx1"/>
-                </a:solidFill>
-                <a:prstDash val="sysDot"/>
-              </a:ln>
-            </p:spPr>
-            <p:style>
-              <a:lnRef idx="1">
-                <a:schemeClr val="accent1"/>
-              </a:lnRef>
-              <a:fillRef idx="0">
-                <a:schemeClr val="accent1"/>
-              </a:fillRef>
-              <a:effectRef idx="0">
-                <a:schemeClr val="accent1"/>
-              </a:effectRef>
-              <a:fontRef idx="minor">
-                <a:schemeClr val="tx1"/>
-              </a:fontRef>
-            </p:style>
-          </p:cxnSp>
-          <p:sp>
-            <p:nvSpPr>
-              <p:cNvPr id="127" name="Folded Corner 126"/>
-              <p:cNvSpPr/>
-              <p:nvPr/>
-            </p:nvSpPr>
-            <p:spPr>
-              <a:xfrm>
-                <a:off x="6610827" y="2175164"/>
-                <a:ext cx="1607881" cy="745104"/>
-              </a:xfrm>
-              <a:prstGeom prst="foldedCorner">
-                <a:avLst/>
-              </a:prstGeom>
-              <a:noFill/>
-              <a:ln w="19050">
-                <a:solidFill>
-                  <a:schemeClr val="tx1"/>
-                </a:solidFill>
-              </a:ln>
-              <a:effectLst/>
-            </p:spPr>
-            <p:style>
-              <a:lnRef idx="1">
-                <a:schemeClr val="accent2"/>
-              </a:lnRef>
-              <a:fillRef idx="2">
-                <a:schemeClr val="accent2"/>
-              </a:fillRef>
-              <a:effectRef idx="1">
-                <a:schemeClr val="accent2"/>
-              </a:effectRef>
-              <a:fontRef idx="minor">
-                <a:schemeClr val="dk1"/>
-              </a:fontRef>
-            </p:style>
-            <p:txBody>
-              <a:bodyPr rtlCol="0" anchor="ctr"/>
-              <a:lstStyle/>
-              <a:p>
-                <a:pPr algn="ctr"/>
-                <a:r>
-                  <a:rPr lang="en-US" sz="1200" dirty="0" err="1">
-                    <a:solidFill>
-                      <a:schemeClr val="tx1"/>
-                    </a:solidFill>
-                  </a:rPr>
-                  <a:t>XYZCommand</a:t>
-                </a:r>
-                <a:r>
-                  <a:rPr lang="en-US" sz="1200" dirty="0">
-                    <a:solidFill>
-                      <a:schemeClr val="tx1"/>
-                    </a:solidFill>
-                  </a:rPr>
-                  <a:t> = </a:t>
-                </a:r>
-                <a:r>
-                  <a:rPr lang="en-US" sz="1200" dirty="0" err="1">
-                    <a:solidFill>
-                      <a:schemeClr val="tx1"/>
-                    </a:solidFill>
-                  </a:rPr>
-                  <a:t>AddCommand</a:t>
-                </a:r>
-                <a:r>
-                  <a:rPr lang="en-US" sz="1200" dirty="0">
-                    <a:solidFill>
-                      <a:schemeClr val="tx1"/>
-                    </a:solidFill>
-                  </a:rPr>
-                  <a:t>, </a:t>
-                </a:r>
-                <a:r>
-                  <a:rPr lang="en-US" sz="1200" dirty="0" err="1">
-                    <a:solidFill>
-                      <a:schemeClr val="tx1"/>
-                    </a:solidFill>
-                  </a:rPr>
-                  <a:t>FindCommand</a:t>
-                </a:r>
-                <a:r>
-                  <a:rPr lang="en-US" sz="1200" dirty="0">
-                    <a:solidFill>
-                      <a:schemeClr val="tx1"/>
-                    </a:solidFill>
-                  </a:rPr>
-                  <a:t>, etc.</a:t>
-                </a:r>
-              </a:p>
-            </p:txBody>
-          </p:sp>
-          <p:sp>
-            <p:nvSpPr>
-              <p:cNvPr id="59" name="Rectangle 62"/>
-              <p:cNvSpPr/>
-              <p:nvPr/>
-            </p:nvSpPr>
-            <p:spPr>
-              <a:xfrm>
-                <a:off x="1662411" y="3448678"/>
-                <a:ext cx="955568" cy="409807"/>
-              </a:xfrm>
-              <a:prstGeom prst="rect">
-                <a:avLst/>
-              </a:prstGeom>
-              <a:noFill/>
-              <a:ln w="19050">
-                <a:solidFill>
-                  <a:schemeClr val="tx1"/>
-                </a:solidFill>
-              </a:ln>
-              <a:effectLst/>
-            </p:spPr>
-            <p:style>
-              <a:lnRef idx="1">
-                <a:schemeClr val="accent2"/>
-              </a:lnRef>
-              <a:fillRef idx="2">
-                <a:schemeClr val="accent2"/>
-              </a:fillRef>
-              <a:effectRef idx="1">
-                <a:schemeClr val="accent2"/>
-              </a:effectRef>
-              <a:fontRef idx="minor">
-                <a:schemeClr val="dk1"/>
-              </a:fontRef>
-            </p:style>
-            <p:txBody>
-              <a:bodyPr rtlCol="0" anchor="ctr"/>
-              <a:lstStyle/>
-              <a:p>
-                <a:pPr algn="ctr"/>
-                <a:r>
-                  <a:rPr lang="en-US" sz="1200" dirty="0" err="1">
-                    <a:solidFill>
-                      <a:schemeClr val="tx1"/>
-                    </a:solidFill>
-                  </a:rPr>
-                  <a:t>UndoRedo</a:t>
-                </a:r>
-                <a:endParaRPr lang="en-US" sz="1200" dirty="0">
-                  <a:solidFill>
-                    <a:schemeClr val="tx1"/>
-                  </a:solidFill>
-                </a:endParaRPr>
-              </a:p>
-              <a:p>
-                <a:pPr algn="ctr"/>
-                <a:r>
-                  <a:rPr lang="en-US" sz="1200" dirty="0">
-                    <a:solidFill>
-                      <a:schemeClr val="tx1"/>
-                    </a:solidFill>
-                  </a:rPr>
-                  <a:t>Stack</a:t>
-                </a:r>
-                <a:endParaRPr lang="en-SG" sz="1200" dirty="0">
-                  <a:solidFill>
-                    <a:schemeClr val="tx1"/>
-                  </a:solidFill>
-                </a:endParaRPr>
-              </a:p>
-            </p:txBody>
-          </p:sp>
-          <p:cxnSp>
-            <p:nvCxnSpPr>
-              <p:cNvPr id="61" name="Straight Arrow Connector 57"/>
-              <p:cNvCxnSpPr>
-                <a:endCxn id="59" idx="2"/>
-              </p:cNvCxnSpPr>
-              <p:nvPr/>
-            </p:nvCxnSpPr>
-            <p:spPr>
-              <a:xfrm flipV="1">
-                <a:off x="2140194" y="3858485"/>
-                <a:ext cx="1" cy="210341"/>
-              </a:xfrm>
-              <a:prstGeom prst="straightConnector1">
-                <a:avLst/>
-              </a:prstGeom>
-              <a:ln w="19050">
-                <a:solidFill>
-                  <a:schemeClr val="tx1"/>
-                </a:solidFill>
-                <a:headEnd type="none" w="med" len="med"/>
-                <a:tailEnd type="arrow" w="med" len="med"/>
-              </a:ln>
-              <a:effectLst/>
-            </p:spPr>
-            <p:style>
-              <a:lnRef idx="1">
-                <a:schemeClr val="accent2"/>
-              </a:lnRef>
-              <a:fillRef idx="2">
-                <a:schemeClr val="accent2"/>
-              </a:fillRef>
-              <a:effectRef idx="1">
-                <a:schemeClr val="accent2"/>
-              </a:effectRef>
-              <a:fontRef idx="minor">
-                <a:schemeClr val="dk1"/>
-              </a:fontRef>
-            </p:style>
-          </p:cxnSp>
-          <p:sp>
-            <p:nvSpPr>
-              <p:cNvPr id="63" name="TextBox 62"/>
+              <p:cNvPr id="30" name="TextBox 29"/>
               <p:cNvSpPr txBox="1"/>
               <p:nvPr/>
             </p:nvSpPr>
             <p:spPr>
               <a:xfrm>
-                <a:off x="2154266" y="3873503"/>
-                <a:ext cx="165139" cy="272801"/>
+                <a:off x="2895600" y="789460"/>
+                <a:ext cx="728806" cy="230832"/>
               </a:xfrm>
               <a:prstGeom prst="rect">
                 <a:avLst/>
               </a:prstGeom>
-              <a:noFill/>
+              <a:grpFill/>
               <a:ln>
-                <a:solidFill>
-                  <a:schemeClr val="bg1"/>
-                </a:solidFill>
+                <a:noFill/>
               </a:ln>
             </p:spPr>
             <p:txBody>
@@ -6294,16 +4444,1833 @@
               </a:bodyPr>
               <a:lstStyle/>
               <a:p>
-                <a:pPr algn="r"/>
                 <a:r>
-                  <a:rPr lang="en-US" sz="1200" dirty="0"/>
-                  <a:t>1</a:t>
+                  <a:rPr lang="en-US" sz="1100" dirty="0"/>
+                  <a:t>produces</a:t>
                 </a:r>
-                <a:endParaRPr lang="en-SG" sz="1200" dirty="0"/>
+                <a:endParaRPr lang="en-SG" sz="1100" dirty="0"/>
+              </a:p>
+            </p:txBody>
+          </p:sp>
+          <p:sp>
+            <p:nvSpPr>
+              <p:cNvPr id="31" name="Isosceles Triangle 30"/>
+              <p:cNvSpPr/>
+              <p:nvPr/>
+            </p:nvSpPr>
+            <p:spPr>
+              <a:xfrm rot="16200000" flipH="1">
+                <a:off x="2730963" y="857181"/>
+                <a:ext cx="125951" cy="76201"/>
+              </a:xfrm>
+              <a:prstGeom prst="triangle">
+                <a:avLst/>
+              </a:prstGeom>
+              <a:grpFill/>
+              <a:ln>
+                <a:solidFill>
+                  <a:schemeClr val="tx1"/>
+                </a:solidFill>
+              </a:ln>
+            </p:spPr>
+            <p:style>
+              <a:lnRef idx="2">
+                <a:schemeClr val="accent1">
+                  <a:shade val="50000"/>
+                </a:schemeClr>
+              </a:lnRef>
+              <a:fillRef idx="1">
+                <a:schemeClr val="accent1"/>
+              </a:fillRef>
+              <a:effectRef idx="0">
+                <a:schemeClr val="accent1"/>
+              </a:effectRef>
+              <a:fontRef idx="minor">
+                <a:schemeClr val="lt1"/>
+              </a:fontRef>
+            </p:style>
+            <p:txBody>
+              <a:bodyPr rtlCol="0" anchor="ctr"/>
+              <a:lstStyle/>
+              <a:p>
+                <a:pPr algn="ctr"/>
+                <a:endParaRPr lang="en-SG">
+                  <a:solidFill>
+                    <a:schemeClr val="tx1"/>
+                  </a:solidFill>
+                </a:endParaRPr>
               </a:p>
             </p:txBody>
           </p:sp>
         </p:grpSp>
+        <p:sp>
+          <p:nvSpPr>
+            <p:cNvPr id="33" name="TextBox 32"/>
+            <p:cNvSpPr txBox="1"/>
+            <p:nvPr/>
+          </p:nvSpPr>
+          <p:spPr>
+            <a:xfrm>
+              <a:off x="3048000" y="3733800"/>
+              <a:ext cx="131116" cy="230832"/>
+            </a:xfrm>
+            <a:prstGeom prst="rect">
+              <a:avLst/>
+            </a:prstGeom>
+            <a:noFill/>
+            <a:ln>
+              <a:noFill/>
+            </a:ln>
+          </p:spPr>
+          <p:txBody>
+            <a:bodyPr wrap="square" lIns="0" tIns="0" rIns="0" bIns="0" rtlCol="0">
+              <a:noAutofit/>
+            </a:bodyPr>
+            <a:lstStyle/>
+            <a:p>
+              <a:pPr algn="r"/>
+              <a:r>
+                <a:rPr lang="en-US" sz="1100" dirty="0"/>
+                <a:t>1</a:t>
+              </a:r>
+              <a:endParaRPr lang="en-SG" sz="1100" dirty="0"/>
+            </a:p>
+          </p:txBody>
+        </p:sp>
+        <p:cxnSp>
+          <p:nvCxnSpPr>
+            <p:cNvPr id="39" name="Elbow Connector 122"/>
+            <p:cNvCxnSpPr/>
+            <p:nvPr/>
+          </p:nvCxnSpPr>
+          <p:spPr>
+            <a:xfrm rot="5400000" flipH="1" flipV="1">
+              <a:off x="1193276" y="2601868"/>
+              <a:ext cx="1969553" cy="2764"/>
+            </a:xfrm>
+            <a:prstGeom prst="bentConnector3">
+              <a:avLst>
+                <a:gd name="adj1" fmla="val 50000"/>
+              </a:avLst>
+            </a:prstGeom>
+            <a:ln w="19050">
+              <a:solidFill>
+                <a:schemeClr val="tx1"/>
+              </a:solidFill>
+              <a:prstDash val="sysDot"/>
+              <a:headEnd type="none" w="med" len="med"/>
+              <a:tailEnd type="arrow" w="med" len="med"/>
+            </a:ln>
+            <a:effectLst/>
+          </p:spPr>
+          <p:style>
+            <a:lnRef idx="1">
+              <a:schemeClr val="accent2"/>
+            </a:lnRef>
+            <a:fillRef idx="2">
+              <a:schemeClr val="accent2"/>
+            </a:fillRef>
+            <a:effectRef idx="1">
+              <a:schemeClr val="accent2"/>
+            </a:effectRef>
+            <a:fontRef idx="minor">
+              <a:schemeClr val="dk1"/>
+            </a:fontRef>
+          </p:style>
+        </p:cxnSp>
+        <p:sp>
+          <p:nvSpPr>
+            <p:cNvPr id="56" name="Rectangle 62"/>
+            <p:cNvSpPr/>
+            <p:nvPr/>
+          </p:nvSpPr>
+          <p:spPr>
+            <a:xfrm>
+              <a:off x="3174214" y="1862795"/>
+              <a:ext cx="751107" cy="346760"/>
+            </a:xfrm>
+            <a:prstGeom prst="rect">
+              <a:avLst/>
+            </a:prstGeom>
+            <a:noFill/>
+            <a:ln w="19050">
+              <a:solidFill>
+                <a:schemeClr val="tx1"/>
+              </a:solidFill>
+            </a:ln>
+            <a:effectLst/>
+          </p:spPr>
+          <p:style>
+            <a:lnRef idx="1">
+              <a:schemeClr val="accent2"/>
+            </a:lnRef>
+            <a:fillRef idx="2">
+              <a:schemeClr val="accent2"/>
+            </a:fillRef>
+            <a:effectRef idx="1">
+              <a:schemeClr val="accent2"/>
+            </a:effectRef>
+            <a:fontRef idx="minor">
+              <a:schemeClr val="dk1"/>
+            </a:fontRef>
+          </p:style>
+          <p:txBody>
+            <a:bodyPr rtlCol="0" anchor="ctr"/>
+            <a:lstStyle/>
+            <a:p>
+              <a:pPr algn="ctr"/>
+              <a:r>
+                <a:rPr lang="en-US" sz="1050">
+                  <a:solidFill>
+                    <a:schemeClr val="tx1"/>
+                  </a:solidFill>
+                </a:rPr>
+                <a:t>Argument</a:t>
+              </a:r>
+              <a:br>
+                <a:rPr lang="en-US" sz="1050">
+                  <a:solidFill>
+                    <a:schemeClr val="tx1"/>
+                  </a:solidFill>
+                </a:rPr>
+              </a:br>
+              <a:r>
+                <a:rPr lang="en-US" sz="1050">
+                  <a:solidFill>
+                    <a:schemeClr val="tx1"/>
+                  </a:solidFill>
+                </a:rPr>
+                <a:t>Tokenizer</a:t>
+              </a:r>
+              <a:endParaRPr lang="en-SG" sz="1050" dirty="0">
+                <a:solidFill>
+                  <a:schemeClr val="tx1"/>
+                </a:solidFill>
+              </a:endParaRPr>
+            </a:p>
+          </p:txBody>
+        </p:sp>
+        <p:sp>
+          <p:nvSpPr>
+            <p:cNvPr id="58" name="Rectangle 62"/>
+            <p:cNvSpPr/>
+            <p:nvPr/>
+          </p:nvSpPr>
+          <p:spPr>
+            <a:xfrm>
+              <a:off x="2238496" y="2454481"/>
+              <a:ext cx="726243" cy="174580"/>
+            </a:xfrm>
+            <a:prstGeom prst="rect">
+              <a:avLst/>
+            </a:prstGeom>
+            <a:noFill/>
+            <a:ln w="19050">
+              <a:solidFill>
+                <a:schemeClr val="tx1"/>
+              </a:solidFill>
+            </a:ln>
+            <a:effectLst/>
+          </p:spPr>
+          <p:style>
+            <a:lnRef idx="1">
+              <a:schemeClr val="accent2"/>
+            </a:lnRef>
+            <a:fillRef idx="2">
+              <a:schemeClr val="accent2"/>
+            </a:fillRef>
+            <a:effectRef idx="1">
+              <a:schemeClr val="accent2"/>
+            </a:effectRef>
+            <a:fontRef idx="minor">
+              <a:schemeClr val="dk1"/>
+            </a:fontRef>
+          </p:style>
+          <p:txBody>
+            <a:bodyPr rtlCol="0" anchor="ctr"/>
+            <a:lstStyle/>
+            <a:p>
+              <a:pPr algn="ctr"/>
+              <a:r>
+                <a:rPr lang="en-US" sz="1050" dirty="0">
+                  <a:solidFill>
+                    <a:schemeClr val="tx1"/>
+                  </a:solidFill>
+                </a:rPr>
+                <a:t>Prefix</a:t>
+              </a:r>
+              <a:endParaRPr lang="en-SG" sz="1050" dirty="0">
+                <a:solidFill>
+                  <a:schemeClr val="tx1"/>
+                </a:solidFill>
+              </a:endParaRPr>
+            </a:p>
+          </p:txBody>
+        </p:sp>
+        <p:sp>
+          <p:nvSpPr>
+            <p:cNvPr id="60" name="Rectangle 62"/>
+            <p:cNvSpPr/>
+            <p:nvPr/>
+          </p:nvSpPr>
+          <p:spPr>
+            <a:xfrm>
+              <a:off x="3186326" y="2841725"/>
+              <a:ext cx="731636" cy="283820"/>
+            </a:xfrm>
+            <a:prstGeom prst="rect">
+              <a:avLst/>
+            </a:prstGeom>
+            <a:noFill/>
+            <a:ln w="19050">
+              <a:solidFill>
+                <a:schemeClr val="tx1"/>
+              </a:solidFill>
+            </a:ln>
+            <a:effectLst/>
+          </p:spPr>
+          <p:style>
+            <a:lnRef idx="1">
+              <a:schemeClr val="accent2"/>
+            </a:lnRef>
+            <a:fillRef idx="2">
+              <a:schemeClr val="accent2"/>
+            </a:fillRef>
+            <a:effectRef idx="1">
+              <a:schemeClr val="accent2"/>
+            </a:effectRef>
+            <a:fontRef idx="minor">
+              <a:schemeClr val="dk1"/>
+            </a:fontRef>
+          </p:style>
+          <p:txBody>
+            <a:bodyPr rtlCol="0" anchor="ctr"/>
+            <a:lstStyle/>
+            <a:p>
+              <a:pPr algn="ctr"/>
+              <a:r>
+                <a:rPr lang="en-SG" sz="1050" dirty="0" err="1">
+                  <a:solidFill>
+                    <a:schemeClr val="tx1"/>
+                  </a:solidFill>
+                </a:rPr>
+                <a:t>CliSyntax</a:t>
+              </a:r>
+              <a:endParaRPr lang="en-SG" sz="1050" dirty="0">
+                <a:solidFill>
+                  <a:schemeClr val="tx1"/>
+                </a:solidFill>
+              </a:endParaRPr>
+            </a:p>
+          </p:txBody>
+        </p:sp>
+        <p:sp>
+          <p:nvSpPr>
+            <p:cNvPr id="62" name="Rectangle 62"/>
+            <p:cNvSpPr/>
+            <p:nvPr/>
+          </p:nvSpPr>
+          <p:spPr>
+            <a:xfrm>
+              <a:off x="3186326" y="3190882"/>
+              <a:ext cx="731636" cy="283820"/>
+            </a:xfrm>
+            <a:prstGeom prst="rect">
+              <a:avLst/>
+            </a:prstGeom>
+            <a:noFill/>
+            <a:ln w="19050">
+              <a:solidFill>
+                <a:schemeClr val="tx1"/>
+              </a:solidFill>
+            </a:ln>
+            <a:effectLst/>
+          </p:spPr>
+          <p:style>
+            <a:lnRef idx="1">
+              <a:schemeClr val="accent2"/>
+            </a:lnRef>
+            <a:fillRef idx="2">
+              <a:schemeClr val="accent2"/>
+            </a:fillRef>
+            <a:effectRef idx="1">
+              <a:schemeClr val="accent2"/>
+            </a:effectRef>
+            <a:fontRef idx="minor">
+              <a:schemeClr val="dk1"/>
+            </a:fontRef>
+          </p:style>
+          <p:txBody>
+            <a:bodyPr rtlCol="0" anchor="ctr"/>
+            <a:lstStyle/>
+            <a:p>
+              <a:pPr algn="ctr"/>
+              <a:r>
+                <a:rPr lang="en-SG" sz="1050" dirty="0" err="1">
+                  <a:solidFill>
+                    <a:schemeClr val="tx1"/>
+                  </a:solidFill>
+                </a:rPr>
+                <a:t>ParserUtil</a:t>
+              </a:r>
+              <a:endParaRPr lang="en-SG" sz="1050" dirty="0">
+                <a:solidFill>
+                  <a:schemeClr val="tx1"/>
+                </a:solidFill>
+              </a:endParaRPr>
+            </a:p>
+          </p:txBody>
+        </p:sp>
+        <p:cxnSp>
+          <p:nvCxnSpPr>
+            <p:cNvPr id="13" name="Elbow Connector 12"/>
+            <p:cNvCxnSpPr>
+              <a:cxnSpLocks/>
+              <a:stCxn id="60" idx="1"/>
+              <a:endCxn id="58" idx="2"/>
+            </p:cNvCxnSpPr>
+            <p:nvPr/>
+          </p:nvCxnSpPr>
+          <p:spPr>
+            <a:xfrm rot="10800000">
+              <a:off x="2601618" y="2629061"/>
+              <a:ext cx="584708" cy="354574"/>
+            </a:xfrm>
+            <a:prstGeom prst="bentConnector2">
+              <a:avLst/>
+            </a:prstGeom>
+            <a:ln w="19050">
+              <a:solidFill>
+                <a:schemeClr val="tx1"/>
+              </a:solidFill>
+              <a:prstDash val="sysDot"/>
+              <a:headEnd type="none" w="med" len="med"/>
+              <a:tailEnd type="arrow" w="med" len="med"/>
+            </a:ln>
+            <a:effectLst/>
+          </p:spPr>
+          <p:style>
+            <a:lnRef idx="1">
+              <a:schemeClr val="accent2"/>
+            </a:lnRef>
+            <a:fillRef idx="2">
+              <a:schemeClr val="accent2"/>
+            </a:fillRef>
+            <a:effectRef idx="1">
+              <a:schemeClr val="accent2"/>
+            </a:effectRef>
+            <a:fontRef idx="minor">
+              <a:schemeClr val="dk1"/>
+            </a:fontRef>
+          </p:style>
+        </p:cxnSp>
+        <p:cxnSp>
+          <p:nvCxnSpPr>
+            <p:cNvPr id="50" name="Elbow Connector 49"/>
+            <p:cNvCxnSpPr>
+              <a:cxnSpLocks/>
+              <a:stCxn id="56" idx="1"/>
+              <a:endCxn id="58" idx="0"/>
+            </p:cNvCxnSpPr>
+            <p:nvPr/>
+          </p:nvCxnSpPr>
+          <p:spPr>
+            <a:xfrm rot="10800000" flipV="1">
+              <a:off x="2601618" y="2036175"/>
+              <a:ext cx="572596" cy="418306"/>
+            </a:xfrm>
+            <a:prstGeom prst="bentConnector2">
+              <a:avLst/>
+            </a:prstGeom>
+            <a:ln w="19050">
+              <a:solidFill>
+                <a:schemeClr val="tx1"/>
+              </a:solidFill>
+              <a:prstDash val="sysDot"/>
+              <a:headEnd type="none" w="med" len="med"/>
+              <a:tailEnd type="arrow" w="med" len="med"/>
+            </a:ln>
+            <a:effectLst/>
+          </p:spPr>
+          <p:style>
+            <a:lnRef idx="1">
+              <a:schemeClr val="accent2"/>
+            </a:lnRef>
+            <a:fillRef idx="2">
+              <a:schemeClr val="accent2"/>
+            </a:fillRef>
+            <a:effectRef idx="1">
+              <a:schemeClr val="accent2"/>
+            </a:effectRef>
+            <a:fontRef idx="minor">
+              <a:schemeClr val="dk1"/>
+            </a:fontRef>
+          </p:style>
+        </p:cxnSp>
+        <p:grpSp>
+          <p:nvGrpSpPr>
+            <p:cNvPr id="68" name="Group 67"/>
+            <p:cNvGrpSpPr/>
+            <p:nvPr/>
+          </p:nvGrpSpPr>
+          <p:grpSpPr>
+            <a:xfrm rot="10800000">
+              <a:off x="4687086" y="3784757"/>
+              <a:ext cx="555486" cy="254462"/>
+              <a:chOff x="3703306" y="644022"/>
+              <a:chExt cx="555486" cy="230832"/>
+            </a:xfrm>
+            <a:noFill/>
+          </p:grpSpPr>
+          <p:sp>
+            <p:nvSpPr>
+              <p:cNvPr id="69" name="TextBox 68"/>
+              <p:cNvSpPr txBox="1"/>
+              <p:nvPr/>
+            </p:nvSpPr>
+            <p:spPr>
+              <a:xfrm rot="10800000">
+                <a:off x="3703306" y="644022"/>
+                <a:ext cx="555486" cy="230832"/>
+              </a:xfrm>
+              <a:prstGeom prst="rect">
+                <a:avLst/>
+              </a:prstGeom>
+              <a:grpFill/>
+              <a:ln>
+                <a:noFill/>
+              </a:ln>
+            </p:spPr>
+            <p:txBody>
+              <a:bodyPr wrap="square" lIns="0" tIns="0" rIns="0" bIns="0" rtlCol="0">
+                <a:noAutofit/>
+              </a:bodyPr>
+              <a:lstStyle/>
+              <a:p>
+                <a:r>
+                  <a:rPr lang="en-US" sz="1100" dirty="0"/>
+                  <a:t>creates</a:t>
+                </a:r>
+                <a:endParaRPr lang="en-SG" sz="1100" dirty="0"/>
+              </a:p>
+            </p:txBody>
+          </p:sp>
+          <p:sp>
+            <p:nvSpPr>
+              <p:cNvPr id="70" name="Isosceles Triangle 69"/>
+              <p:cNvSpPr/>
+              <p:nvPr/>
+            </p:nvSpPr>
+            <p:spPr>
+              <a:xfrm rot="5400000" flipV="1">
+                <a:off x="3700294" y="741689"/>
+                <a:ext cx="119885" cy="88141"/>
+              </a:xfrm>
+              <a:prstGeom prst="triangle">
+                <a:avLst/>
+              </a:prstGeom>
+              <a:grpFill/>
+              <a:ln>
+                <a:solidFill>
+                  <a:schemeClr val="tx1"/>
+                </a:solidFill>
+              </a:ln>
+            </p:spPr>
+            <p:style>
+              <a:lnRef idx="2">
+                <a:schemeClr val="accent1">
+                  <a:shade val="50000"/>
+                </a:schemeClr>
+              </a:lnRef>
+              <a:fillRef idx="1">
+                <a:schemeClr val="accent1"/>
+              </a:fillRef>
+              <a:effectRef idx="0">
+                <a:schemeClr val="accent1"/>
+              </a:effectRef>
+              <a:fontRef idx="minor">
+                <a:schemeClr val="lt1"/>
+              </a:fontRef>
+            </p:style>
+            <p:txBody>
+              <a:bodyPr rtlCol="0" anchor="ctr"/>
+              <a:lstStyle/>
+              <a:p>
+                <a:pPr algn="ctr"/>
+                <a:endParaRPr lang="en-SG">
+                  <a:solidFill>
+                    <a:schemeClr val="tx1"/>
+                  </a:solidFill>
+                </a:endParaRPr>
+              </a:p>
+            </p:txBody>
+          </p:sp>
+        </p:grpSp>
+        <p:sp>
+          <p:nvSpPr>
+            <p:cNvPr id="87" name="Isosceles Triangle 102"/>
+            <p:cNvSpPr/>
+            <p:nvPr/>
+          </p:nvSpPr>
+          <p:spPr>
+            <a:xfrm flipV="1">
+              <a:off x="7227643" y="3980475"/>
+              <a:ext cx="270504" cy="175523"/>
+            </a:xfrm>
+            <a:prstGeom prst="triangle">
+              <a:avLst/>
+            </a:prstGeom>
+            <a:noFill/>
+            <a:ln w="19050">
+              <a:solidFill>
+                <a:schemeClr val="tx1"/>
+              </a:solidFill>
+            </a:ln>
+            <a:effectLst/>
+          </p:spPr>
+          <p:style>
+            <a:lnRef idx="1">
+              <a:schemeClr val="accent1"/>
+            </a:lnRef>
+            <a:fillRef idx="2">
+              <a:schemeClr val="accent1"/>
+            </a:fillRef>
+            <a:effectRef idx="1">
+              <a:schemeClr val="accent1"/>
+            </a:effectRef>
+            <a:fontRef idx="minor">
+              <a:schemeClr val="dk1"/>
+            </a:fontRef>
+          </p:style>
+          <p:txBody>
+            <a:bodyPr rtlCol="0" anchor="ctr"/>
+            <a:lstStyle/>
+            <a:p>
+              <a:pPr algn="ctr"/>
+              <a:endParaRPr lang="en-SG" sz="1050" b="1">
+                <a:solidFill>
+                  <a:schemeClr val="tx1"/>
+                </a:solidFill>
+              </a:endParaRPr>
+            </a:p>
+          </p:txBody>
+        </p:sp>
+        <p:cxnSp>
+          <p:nvCxnSpPr>
+            <p:cNvPr id="96" name="Elbow Connector 95"/>
+            <p:cNvCxnSpPr>
+              <a:stCxn id="87" idx="3"/>
+              <a:endCxn id="4" idx="2"/>
+            </p:cNvCxnSpPr>
+            <p:nvPr/>
+          </p:nvCxnSpPr>
+          <p:spPr>
+            <a:xfrm rot="5400000" flipH="1" flipV="1">
+              <a:off x="6916385" y="3533423"/>
+              <a:ext cx="893563" cy="542"/>
+            </a:xfrm>
+            <a:prstGeom prst="bentConnector3">
+              <a:avLst>
+                <a:gd name="adj1" fmla="val 50000"/>
+              </a:avLst>
+            </a:prstGeom>
+            <a:ln w="19050">
+              <a:solidFill>
+                <a:schemeClr val="tx1"/>
+              </a:solidFill>
+              <a:headEnd type="none" w="med" len="med"/>
+              <a:tailEnd type="none" w="med" len="med"/>
+            </a:ln>
+          </p:spPr>
+          <p:style>
+            <a:lnRef idx="1">
+              <a:schemeClr val="accent1"/>
+            </a:lnRef>
+            <a:fillRef idx="0">
+              <a:schemeClr val="accent1"/>
+            </a:fillRef>
+            <a:effectRef idx="0">
+              <a:schemeClr val="accent1"/>
+            </a:effectRef>
+            <a:fontRef idx="minor">
+              <a:schemeClr val="tx1"/>
+            </a:fontRef>
+          </p:style>
+        </p:cxnSp>
+        <p:cxnSp>
+          <p:nvCxnSpPr>
+            <p:cNvPr id="122" name="Elbow Connector 63"/>
+            <p:cNvCxnSpPr>
+              <a:cxnSpLocks/>
+              <a:stCxn id="42" idx="1"/>
+              <a:endCxn id="4" idx="3"/>
+            </p:cNvCxnSpPr>
+            <p:nvPr/>
+          </p:nvCxnSpPr>
+          <p:spPr>
+            <a:xfrm flipV="1">
+              <a:off x="6066328" y="2913532"/>
+              <a:ext cx="811946" cy="659"/>
+            </a:xfrm>
+            <a:prstGeom prst="bentConnector3">
+              <a:avLst>
+                <a:gd name="adj1" fmla="val 50000"/>
+              </a:avLst>
+            </a:prstGeom>
+            <a:ln w="19050">
+              <a:solidFill>
+                <a:schemeClr val="tx1"/>
+              </a:solidFill>
+              <a:prstDash val="sysDot"/>
+              <a:headEnd type="none" w="med" len="med"/>
+              <a:tailEnd type="arrow" w="med" len="med"/>
+            </a:ln>
+            <a:effectLst/>
+          </p:spPr>
+          <p:style>
+            <a:lnRef idx="1">
+              <a:schemeClr val="accent2"/>
+            </a:lnRef>
+            <a:fillRef idx="2">
+              <a:schemeClr val="accent2"/>
+            </a:fillRef>
+            <a:effectRef idx="1">
+              <a:schemeClr val="accent2"/>
+            </a:effectRef>
+            <a:fontRef idx="minor">
+              <a:schemeClr val="dk1"/>
+            </a:fontRef>
+          </p:style>
+        </p:cxnSp>
+        <p:sp>
+          <p:nvSpPr>
+            <p:cNvPr id="109" name="Rectangle 62"/>
+            <p:cNvSpPr/>
+            <p:nvPr/>
+          </p:nvSpPr>
+          <p:spPr>
+            <a:xfrm>
+              <a:off x="3174214" y="2370131"/>
+              <a:ext cx="750156" cy="340758"/>
+            </a:xfrm>
+            <a:prstGeom prst="rect">
+              <a:avLst/>
+            </a:prstGeom>
+            <a:noFill/>
+            <a:ln w="19050">
+              <a:solidFill>
+                <a:schemeClr val="tx1"/>
+              </a:solidFill>
+            </a:ln>
+            <a:effectLst/>
+          </p:spPr>
+          <p:style>
+            <a:lnRef idx="1">
+              <a:schemeClr val="accent2"/>
+            </a:lnRef>
+            <a:fillRef idx="2">
+              <a:schemeClr val="accent2"/>
+            </a:fillRef>
+            <a:effectRef idx="1">
+              <a:schemeClr val="accent2"/>
+            </a:effectRef>
+            <a:fontRef idx="minor">
+              <a:schemeClr val="dk1"/>
+            </a:fontRef>
+          </p:style>
+          <p:txBody>
+            <a:bodyPr rtlCol="0" anchor="ctr"/>
+            <a:lstStyle/>
+            <a:p>
+              <a:pPr algn="ctr"/>
+              <a:r>
+                <a:rPr lang="en-SG" sz="1050" dirty="0">
+                  <a:solidFill>
+                    <a:schemeClr val="tx1"/>
+                  </a:solidFill>
+                </a:rPr>
+                <a:t>Argument</a:t>
+              </a:r>
+              <a:br>
+                <a:rPr lang="en-SG" sz="1050" dirty="0">
+                  <a:solidFill>
+                    <a:schemeClr val="tx1"/>
+                  </a:solidFill>
+                </a:rPr>
+              </a:br>
+              <a:r>
+                <a:rPr lang="en-SG" sz="1050" dirty="0">
+                  <a:solidFill>
+                    <a:schemeClr val="tx1"/>
+                  </a:solidFill>
+                </a:rPr>
+                <a:t>Multimap</a:t>
+              </a:r>
+            </a:p>
+          </p:txBody>
+        </p:sp>
+        <p:cxnSp>
+          <p:nvCxnSpPr>
+            <p:cNvPr id="112" name="Elbow Connector 12"/>
+            <p:cNvCxnSpPr>
+              <a:cxnSpLocks/>
+              <a:stCxn id="109" idx="1"/>
+              <a:endCxn id="58" idx="3"/>
+            </p:cNvCxnSpPr>
+            <p:nvPr/>
+          </p:nvCxnSpPr>
+          <p:spPr>
+            <a:xfrm rot="10800000" flipV="1">
+              <a:off x="2964740" y="2540509"/>
+              <a:ext cx="209475" cy="1261"/>
+            </a:xfrm>
+            <a:prstGeom prst="bentConnector3">
+              <a:avLst>
+                <a:gd name="adj1" fmla="val 50000"/>
+              </a:avLst>
+            </a:prstGeom>
+            <a:ln w="19050">
+              <a:solidFill>
+                <a:schemeClr val="tx1"/>
+              </a:solidFill>
+              <a:prstDash val="sysDot"/>
+              <a:headEnd type="none" w="med" len="med"/>
+              <a:tailEnd type="arrow" w="med" len="med"/>
+            </a:ln>
+            <a:effectLst/>
+          </p:spPr>
+          <p:style>
+            <a:lnRef idx="1">
+              <a:schemeClr val="accent2"/>
+            </a:lnRef>
+            <a:fillRef idx="2">
+              <a:schemeClr val="accent2"/>
+            </a:fillRef>
+            <a:effectRef idx="1">
+              <a:schemeClr val="accent2"/>
+            </a:effectRef>
+            <a:fontRef idx="minor">
+              <a:schemeClr val="dk1"/>
+            </a:fontRef>
+          </p:style>
+        </p:cxnSp>
+        <p:cxnSp>
+          <p:nvCxnSpPr>
+            <p:cNvPr id="118" name="Elbow Connector 49"/>
+            <p:cNvCxnSpPr>
+              <a:cxnSpLocks/>
+              <a:stCxn id="56" idx="2"/>
+              <a:endCxn id="109" idx="0"/>
+            </p:cNvCxnSpPr>
+            <p:nvPr/>
+          </p:nvCxnSpPr>
+          <p:spPr>
+            <a:xfrm rot="5400000">
+              <a:off x="3469242" y="2289605"/>
+              <a:ext cx="160576" cy="476"/>
+            </a:xfrm>
+            <a:prstGeom prst="bentConnector3">
+              <a:avLst>
+                <a:gd name="adj1" fmla="val 50000"/>
+              </a:avLst>
+            </a:prstGeom>
+            <a:ln w="19050">
+              <a:solidFill>
+                <a:schemeClr val="tx1"/>
+              </a:solidFill>
+              <a:prstDash val="sysDot"/>
+              <a:headEnd type="none" w="med" len="med"/>
+              <a:tailEnd type="arrow" w="med" len="med"/>
+            </a:ln>
+            <a:effectLst/>
+          </p:spPr>
+          <p:style>
+            <a:lnRef idx="1">
+              <a:schemeClr val="accent2"/>
+            </a:lnRef>
+            <a:fillRef idx="2">
+              <a:schemeClr val="accent2"/>
+            </a:fillRef>
+            <a:effectRef idx="1">
+              <a:schemeClr val="accent2"/>
+            </a:effectRef>
+            <a:fontRef idx="minor">
+              <a:schemeClr val="dk1"/>
+            </a:fontRef>
+          </p:style>
+        </p:cxnSp>
+        <p:sp>
+          <p:nvSpPr>
+            <p:cNvPr id="86" name="Rectangle 62"/>
+            <p:cNvSpPr/>
+            <p:nvPr/>
+          </p:nvSpPr>
+          <p:spPr>
+            <a:xfrm>
+              <a:off x="1295065" y="4183424"/>
+              <a:ext cx="805984" cy="346760"/>
+            </a:xfrm>
+            <a:prstGeom prst="rect">
+              <a:avLst/>
+            </a:prstGeom>
+            <a:noFill/>
+            <a:ln w="19050">
+              <a:solidFill>
+                <a:schemeClr val="tx1"/>
+              </a:solidFill>
+            </a:ln>
+            <a:effectLst/>
+          </p:spPr>
+          <p:style>
+            <a:lnRef idx="1">
+              <a:schemeClr val="accent2"/>
+            </a:lnRef>
+            <a:fillRef idx="2">
+              <a:schemeClr val="accent2"/>
+            </a:fillRef>
+            <a:effectRef idx="1">
+              <a:schemeClr val="accent2"/>
+            </a:effectRef>
+            <a:fontRef idx="minor">
+              <a:schemeClr val="dk1"/>
+            </a:fontRef>
+          </p:style>
+          <p:txBody>
+            <a:bodyPr rtlCol="0" anchor="ctr"/>
+            <a:lstStyle/>
+            <a:p>
+              <a:pPr algn="ctr"/>
+              <a:r>
+                <a:rPr lang="en-US" sz="1050">
+                  <a:solidFill>
+                    <a:schemeClr val="tx1"/>
+                  </a:solidFill>
+                </a:rPr>
+                <a:t>Command</a:t>
+              </a:r>
+            </a:p>
+            <a:p>
+              <a:pPr algn="ctr"/>
+              <a:r>
+                <a:rPr lang="en-US" sz="1050" dirty="0">
+                  <a:solidFill>
+                    <a:schemeClr val="tx1"/>
+                  </a:solidFill>
+                </a:rPr>
+                <a:t>History</a:t>
+              </a:r>
+              <a:endParaRPr lang="en-SG" sz="1050" dirty="0">
+                <a:solidFill>
+                  <a:schemeClr val="tx1"/>
+                </a:solidFill>
+              </a:endParaRPr>
+            </a:p>
+          </p:txBody>
+        </p:sp>
+        <p:cxnSp>
+          <p:nvCxnSpPr>
+            <p:cNvPr id="88" name="Straight Arrow Connector 57"/>
+            <p:cNvCxnSpPr/>
+            <p:nvPr/>
+          </p:nvCxnSpPr>
+          <p:spPr>
+            <a:xfrm>
+              <a:off x="1971157" y="3939492"/>
+              <a:ext cx="2022" cy="240622"/>
+            </a:xfrm>
+            <a:prstGeom prst="straightConnector1">
+              <a:avLst/>
+            </a:prstGeom>
+            <a:ln w="19050">
+              <a:solidFill>
+                <a:schemeClr val="tx1"/>
+              </a:solidFill>
+              <a:headEnd type="none" w="med" len="med"/>
+              <a:tailEnd type="arrow" w="med" len="med"/>
+            </a:ln>
+            <a:effectLst/>
+          </p:spPr>
+          <p:style>
+            <a:lnRef idx="1">
+              <a:schemeClr val="accent2"/>
+            </a:lnRef>
+            <a:fillRef idx="2">
+              <a:schemeClr val="accent2"/>
+            </a:fillRef>
+            <a:effectRef idx="1">
+              <a:schemeClr val="accent2"/>
+            </a:effectRef>
+            <a:fontRef idx="minor">
+              <a:schemeClr val="dk1"/>
+            </a:fontRef>
+          </p:style>
+        </p:cxnSp>
+        <p:sp>
+          <p:nvSpPr>
+            <p:cNvPr id="91" name="TextBox 90"/>
+            <p:cNvSpPr txBox="1"/>
+            <p:nvPr/>
+          </p:nvSpPr>
+          <p:spPr>
+            <a:xfrm>
+              <a:off x="1773980" y="4000395"/>
+              <a:ext cx="131116" cy="230832"/>
+            </a:xfrm>
+            <a:prstGeom prst="rect">
+              <a:avLst/>
+            </a:prstGeom>
+            <a:noFill/>
+            <a:ln>
+              <a:noFill/>
+            </a:ln>
+          </p:spPr>
+          <p:txBody>
+            <a:bodyPr wrap="square" lIns="0" tIns="0" rIns="0" bIns="0" rtlCol="0">
+              <a:noAutofit/>
+            </a:bodyPr>
+            <a:lstStyle/>
+            <a:p>
+              <a:pPr algn="r"/>
+              <a:r>
+                <a:rPr lang="en-US" sz="1100" dirty="0"/>
+                <a:t>1</a:t>
+              </a:r>
+              <a:endParaRPr lang="en-SG" sz="1100" dirty="0"/>
+            </a:p>
+          </p:txBody>
+        </p:sp>
+        <p:sp>
+          <p:nvSpPr>
+            <p:cNvPr id="97" name="Rectangle 96">
+              <a:extLst>
+                <a:ext uri="{FF2B5EF4-FFF2-40B4-BE49-F238E27FC236}">
+                  <a16:creationId xmlns:a16="http://schemas.microsoft.com/office/drawing/2014/main" id="{AADE6A0C-89AB-467B-8CEA-5FCF36CE0D21}"/>
+                </a:ext>
+              </a:extLst>
+            </p:cNvPr>
+            <p:cNvSpPr/>
+            <p:nvPr/>
+          </p:nvSpPr>
+          <p:spPr>
+            <a:xfrm flipH="1">
+              <a:off x="5067626" y="1981200"/>
+              <a:ext cx="998702" cy="346760"/>
+            </a:xfrm>
+            <a:prstGeom prst="rect">
+              <a:avLst/>
+            </a:prstGeom>
+            <a:noFill/>
+            <a:ln>
+              <a:solidFill>
+                <a:schemeClr val="tx1"/>
+              </a:solidFill>
+            </a:ln>
+            <a:effectLst/>
+          </p:spPr>
+          <p:style>
+            <a:lnRef idx="1">
+              <a:schemeClr val="accent5"/>
+            </a:lnRef>
+            <a:fillRef idx="2">
+              <a:schemeClr val="accent5"/>
+            </a:fillRef>
+            <a:effectRef idx="1">
+              <a:schemeClr val="accent5"/>
+            </a:effectRef>
+            <a:fontRef idx="minor">
+              <a:schemeClr val="dk1"/>
+            </a:fontRef>
+          </p:style>
+          <p:txBody>
+            <a:bodyPr rtlCol="0" anchor="ctr"/>
+            <a:lstStyle/>
+            <a:p>
+              <a:pPr algn="ctr"/>
+              <a:r>
+                <a:rPr lang="en-US" sz="1050" b="1" dirty="0">
+                  <a:solidFill>
+                    <a:schemeClr val="tx1"/>
+                  </a:solidFill>
+                </a:rPr>
+                <a:t>&lt;&lt;interface&gt;&gt;</a:t>
+              </a:r>
+            </a:p>
+            <a:p>
+              <a:pPr algn="ctr"/>
+              <a:r>
+                <a:rPr lang="en-US" sz="1050" b="1" dirty="0">
+                  <a:solidFill>
+                    <a:schemeClr val="tx1"/>
+                  </a:solidFill>
+                </a:rPr>
+                <a:t>Parser</a:t>
+              </a:r>
+              <a:endParaRPr lang="en-SG" sz="1050" b="1" dirty="0">
+                <a:solidFill>
+                  <a:schemeClr val="tx1"/>
+                </a:solidFill>
+              </a:endParaRPr>
+            </a:p>
+          </p:txBody>
+        </p:sp>
+        <p:sp>
+          <p:nvSpPr>
+            <p:cNvPr id="75" name="Isosceles Triangle 102"/>
+            <p:cNvSpPr/>
+            <p:nvPr/>
+          </p:nvSpPr>
+          <p:spPr>
+            <a:xfrm flipH="1">
+              <a:off x="5431725" y="2327960"/>
+              <a:ext cx="270504" cy="175523"/>
+            </a:xfrm>
+            <a:prstGeom prst="triangle">
+              <a:avLst/>
+            </a:prstGeom>
+            <a:noFill/>
+            <a:ln w="12700">
+              <a:solidFill>
+                <a:schemeClr val="tx1"/>
+              </a:solidFill>
+            </a:ln>
+          </p:spPr>
+          <p:style>
+            <a:lnRef idx="2">
+              <a:schemeClr val="accent5">
+                <a:shade val="50000"/>
+              </a:schemeClr>
+            </a:lnRef>
+            <a:fillRef idx="1">
+              <a:schemeClr val="accent5"/>
+            </a:fillRef>
+            <a:effectRef idx="0">
+              <a:schemeClr val="accent5"/>
+            </a:effectRef>
+            <a:fontRef idx="minor">
+              <a:schemeClr val="lt1"/>
+            </a:fontRef>
+          </p:style>
+          <p:txBody>
+            <a:bodyPr rtlCol="0" anchor="ctr"/>
+            <a:lstStyle/>
+            <a:p>
+              <a:pPr algn="ctr"/>
+              <a:endParaRPr lang="en-SG" sz="1050" b="1">
+                <a:solidFill>
+                  <a:schemeClr val="tx1"/>
+                </a:solidFill>
+              </a:endParaRPr>
+            </a:p>
+          </p:txBody>
+        </p:sp>
+        <p:grpSp>
+          <p:nvGrpSpPr>
+            <p:cNvPr id="85" name="Group 84"/>
+            <p:cNvGrpSpPr/>
+            <p:nvPr/>
+          </p:nvGrpSpPr>
+          <p:grpSpPr>
+            <a:xfrm rot="5400000">
+              <a:off x="6371505" y="2788428"/>
+              <a:ext cx="222304" cy="598286"/>
+              <a:chOff x="3965759" y="592436"/>
+              <a:chExt cx="254462" cy="503902"/>
+            </a:xfrm>
+            <a:noFill/>
+          </p:grpSpPr>
+          <p:sp>
+            <p:nvSpPr>
+              <p:cNvPr id="89" name="TextBox 88"/>
+              <p:cNvSpPr txBox="1"/>
+              <p:nvPr/>
+            </p:nvSpPr>
+            <p:spPr>
+              <a:xfrm rot="16200000">
+                <a:off x="3841039" y="717156"/>
+                <a:ext cx="503902" cy="254462"/>
+              </a:xfrm>
+              <a:prstGeom prst="rect">
+                <a:avLst/>
+              </a:prstGeom>
+              <a:grpFill/>
+              <a:ln>
+                <a:noFill/>
+              </a:ln>
+            </p:spPr>
+            <p:txBody>
+              <a:bodyPr wrap="square" lIns="0" tIns="0" rIns="0" bIns="0" rtlCol="0">
+                <a:noAutofit/>
+              </a:bodyPr>
+              <a:lstStyle/>
+              <a:p>
+                <a:r>
+                  <a:rPr lang="en-US" sz="1100" dirty="0"/>
+                  <a:t>creates</a:t>
+                </a:r>
+                <a:endParaRPr lang="en-SG" sz="1100" dirty="0"/>
+              </a:p>
+            </p:txBody>
+          </p:sp>
+          <p:sp>
+            <p:nvSpPr>
+              <p:cNvPr id="92" name="Isosceles Triangle 91"/>
+              <p:cNvSpPr/>
+              <p:nvPr/>
+            </p:nvSpPr>
+            <p:spPr>
+              <a:xfrm rot="10800000" flipV="1">
+                <a:off x="3995991" y="631624"/>
+                <a:ext cx="132157" cy="79956"/>
+              </a:xfrm>
+              <a:prstGeom prst="triangle">
+                <a:avLst/>
+              </a:prstGeom>
+              <a:grpFill/>
+              <a:ln>
+                <a:solidFill>
+                  <a:schemeClr val="tx1"/>
+                </a:solidFill>
+              </a:ln>
+            </p:spPr>
+            <p:style>
+              <a:lnRef idx="2">
+                <a:schemeClr val="accent1">
+                  <a:shade val="50000"/>
+                </a:schemeClr>
+              </a:lnRef>
+              <a:fillRef idx="1">
+                <a:schemeClr val="accent1"/>
+              </a:fillRef>
+              <a:effectRef idx="0">
+                <a:schemeClr val="accent1"/>
+              </a:effectRef>
+              <a:fontRef idx="minor">
+                <a:schemeClr val="lt1"/>
+              </a:fontRef>
+            </p:style>
+            <p:txBody>
+              <a:bodyPr rtlCol="0" anchor="ctr"/>
+              <a:lstStyle/>
+              <a:p>
+                <a:pPr algn="ctr"/>
+                <a:endParaRPr lang="en-SG">
+                  <a:solidFill>
+                    <a:schemeClr val="tx1"/>
+                  </a:solidFill>
+                </a:endParaRPr>
+              </a:p>
+            </p:txBody>
+          </p:sp>
+        </p:grpSp>
+        <p:cxnSp>
+          <p:nvCxnSpPr>
+            <p:cNvPr id="95" name="Straight Connector 94"/>
+            <p:cNvCxnSpPr/>
+            <p:nvPr/>
+          </p:nvCxnSpPr>
+          <p:spPr>
+            <a:xfrm>
+              <a:off x="2893971" y="3687139"/>
+              <a:ext cx="361447" cy="0"/>
+            </a:xfrm>
+            <a:prstGeom prst="line">
+              <a:avLst/>
+            </a:prstGeom>
+            <a:ln w="19050">
+              <a:solidFill>
+                <a:schemeClr val="tx1"/>
+              </a:solidFill>
+              <a:prstDash val="solid"/>
+              <a:headEnd type="none" w="med" len="med"/>
+              <a:tailEnd type="arrow" w="med" len="med"/>
+            </a:ln>
+            <a:effectLst/>
+          </p:spPr>
+          <p:style>
+            <a:lnRef idx="1">
+              <a:schemeClr val="accent2"/>
+            </a:lnRef>
+            <a:fillRef idx="2">
+              <a:schemeClr val="accent2"/>
+            </a:fillRef>
+            <a:effectRef idx="1">
+              <a:schemeClr val="accent2"/>
+            </a:effectRef>
+            <a:fontRef idx="minor">
+              <a:schemeClr val="dk1"/>
+            </a:fontRef>
+          </p:style>
+        </p:cxnSp>
+        <p:sp>
+          <p:nvSpPr>
+            <p:cNvPr id="42" name="Rectangle 11"/>
+            <p:cNvSpPr/>
+            <p:nvPr/>
+          </p:nvSpPr>
+          <p:spPr>
+            <a:xfrm flipH="1">
+              <a:off x="5074342" y="2740811"/>
+              <a:ext cx="991986" cy="346760"/>
+            </a:xfrm>
+            <a:prstGeom prst="rect">
+              <a:avLst/>
+            </a:prstGeom>
+            <a:noFill/>
+            <a:ln>
+              <a:solidFill>
+                <a:schemeClr val="tx1"/>
+              </a:solidFill>
+            </a:ln>
+            <a:effectLst/>
+          </p:spPr>
+          <p:style>
+            <a:lnRef idx="1">
+              <a:schemeClr val="accent5"/>
+            </a:lnRef>
+            <a:fillRef idx="2">
+              <a:schemeClr val="accent5"/>
+            </a:fillRef>
+            <a:effectRef idx="1">
+              <a:schemeClr val="accent5"/>
+            </a:effectRef>
+            <a:fontRef idx="minor">
+              <a:schemeClr val="dk1"/>
+            </a:fontRef>
+          </p:style>
+          <p:txBody>
+            <a:bodyPr rtlCol="0" anchor="ctr"/>
+            <a:lstStyle/>
+            <a:p>
+              <a:pPr algn="ctr"/>
+              <a:r>
+                <a:rPr lang="en-US" sz="1050" b="1" dirty="0" err="1">
+                  <a:solidFill>
+                    <a:schemeClr val="tx1"/>
+                  </a:solidFill>
+                </a:rPr>
+                <a:t>XYZCommand</a:t>
+              </a:r>
+              <a:endParaRPr lang="en-US" sz="1050" b="1" dirty="0">
+                <a:solidFill>
+                  <a:schemeClr val="tx1"/>
+                </a:solidFill>
+              </a:endParaRPr>
+            </a:p>
+            <a:p>
+              <a:pPr algn="ctr"/>
+              <a:r>
+                <a:rPr lang="en-US" sz="1050" b="1" dirty="0">
+                  <a:solidFill>
+                    <a:schemeClr val="tx1"/>
+                  </a:solidFill>
+                </a:rPr>
+                <a:t>Parser</a:t>
+              </a:r>
+              <a:endParaRPr lang="en-SG" sz="1050" b="1" dirty="0">
+                <a:solidFill>
+                  <a:schemeClr val="tx1"/>
+                </a:solidFill>
+              </a:endParaRPr>
+            </a:p>
+          </p:txBody>
+        </p:sp>
+        <p:cxnSp>
+          <p:nvCxnSpPr>
+            <p:cNvPr id="101" name="Elbow Connector 12"/>
+            <p:cNvCxnSpPr>
+              <a:cxnSpLocks/>
+              <a:stCxn id="42" idx="3"/>
+            </p:cNvCxnSpPr>
+            <p:nvPr/>
+          </p:nvCxnSpPr>
+          <p:spPr>
+            <a:xfrm rot="10800000">
+              <a:off x="3917734" y="2058661"/>
+              <a:ext cx="1156608" cy="855530"/>
+            </a:xfrm>
+            <a:prstGeom prst="bentConnector3">
+              <a:avLst>
+                <a:gd name="adj1" fmla="val 50000"/>
+              </a:avLst>
+            </a:prstGeom>
+            <a:ln w="19050">
+              <a:solidFill>
+                <a:schemeClr val="tx1"/>
+              </a:solidFill>
+              <a:prstDash val="sysDot"/>
+              <a:headEnd type="none" w="med" len="med"/>
+              <a:tailEnd type="arrow" w="med" len="med"/>
+            </a:ln>
+            <a:effectLst/>
+          </p:spPr>
+          <p:style>
+            <a:lnRef idx="1">
+              <a:schemeClr val="accent2"/>
+            </a:lnRef>
+            <a:fillRef idx="2">
+              <a:schemeClr val="accent2"/>
+            </a:fillRef>
+            <a:effectRef idx="1">
+              <a:schemeClr val="accent2"/>
+            </a:effectRef>
+            <a:fontRef idx="minor">
+              <a:schemeClr val="dk1"/>
+            </a:fontRef>
+          </p:style>
+        </p:cxnSp>
+        <p:cxnSp>
+          <p:nvCxnSpPr>
+            <p:cNvPr id="102" name="Elbow Connector 12"/>
+            <p:cNvCxnSpPr>
+              <a:cxnSpLocks/>
+              <a:stCxn id="42" idx="3"/>
+            </p:cNvCxnSpPr>
+            <p:nvPr/>
+          </p:nvCxnSpPr>
+          <p:spPr>
+            <a:xfrm rot="10800000">
+              <a:off x="3921964" y="2540511"/>
+              <a:ext cx="1152379" cy="373681"/>
+            </a:xfrm>
+            <a:prstGeom prst="bentConnector3">
+              <a:avLst>
+                <a:gd name="adj1" fmla="val 50000"/>
+              </a:avLst>
+            </a:prstGeom>
+            <a:ln w="19050">
+              <a:solidFill>
+                <a:schemeClr val="tx1"/>
+              </a:solidFill>
+              <a:prstDash val="sysDot"/>
+              <a:headEnd type="none" w="med" len="med"/>
+              <a:tailEnd type="arrow" w="med" len="med"/>
+            </a:ln>
+            <a:effectLst/>
+          </p:spPr>
+          <p:style>
+            <a:lnRef idx="1">
+              <a:schemeClr val="accent2"/>
+            </a:lnRef>
+            <a:fillRef idx="2">
+              <a:schemeClr val="accent2"/>
+            </a:fillRef>
+            <a:effectRef idx="1">
+              <a:schemeClr val="accent2"/>
+            </a:effectRef>
+            <a:fontRef idx="minor">
+              <a:schemeClr val="dk1"/>
+            </a:fontRef>
+          </p:style>
+        </p:cxnSp>
+        <p:cxnSp>
+          <p:nvCxnSpPr>
+            <p:cNvPr id="103" name="Elbow Connector 12"/>
+            <p:cNvCxnSpPr>
+              <a:cxnSpLocks/>
+              <a:stCxn id="42" idx="3"/>
+            </p:cNvCxnSpPr>
+            <p:nvPr/>
+          </p:nvCxnSpPr>
+          <p:spPr>
+            <a:xfrm rot="10800000" flipV="1">
+              <a:off x="3926192" y="2914191"/>
+              <a:ext cx="1148150" cy="108168"/>
+            </a:xfrm>
+            <a:prstGeom prst="bentConnector3">
+              <a:avLst>
+                <a:gd name="adj1" fmla="val 50000"/>
+              </a:avLst>
+            </a:prstGeom>
+            <a:ln w="19050">
+              <a:solidFill>
+                <a:schemeClr val="tx1"/>
+              </a:solidFill>
+              <a:prstDash val="sysDot"/>
+              <a:headEnd type="none" w="med" len="med"/>
+              <a:tailEnd type="arrow" w="med" len="med"/>
+            </a:ln>
+            <a:effectLst/>
+          </p:spPr>
+          <p:style>
+            <a:lnRef idx="1">
+              <a:schemeClr val="accent2"/>
+            </a:lnRef>
+            <a:fillRef idx="2">
+              <a:schemeClr val="accent2"/>
+            </a:fillRef>
+            <a:effectRef idx="1">
+              <a:schemeClr val="accent2"/>
+            </a:effectRef>
+            <a:fontRef idx="minor">
+              <a:schemeClr val="dk1"/>
+            </a:fontRef>
+          </p:style>
+        </p:cxnSp>
+        <p:cxnSp>
+          <p:nvCxnSpPr>
+            <p:cNvPr id="104" name="Elbow Connector 12"/>
+            <p:cNvCxnSpPr>
+              <a:cxnSpLocks/>
+              <a:stCxn id="42" idx="3"/>
+            </p:cNvCxnSpPr>
+            <p:nvPr/>
+          </p:nvCxnSpPr>
+          <p:spPr>
+            <a:xfrm rot="10800000" flipV="1">
+              <a:off x="3930422" y="2914191"/>
+              <a:ext cx="1143921" cy="439870"/>
+            </a:xfrm>
+            <a:prstGeom prst="bentConnector3">
+              <a:avLst>
+                <a:gd name="adj1" fmla="val 50000"/>
+              </a:avLst>
+            </a:prstGeom>
+            <a:ln w="19050">
+              <a:solidFill>
+                <a:schemeClr val="tx1"/>
+              </a:solidFill>
+              <a:prstDash val="sysDot"/>
+              <a:headEnd type="none" w="med" len="med"/>
+              <a:tailEnd type="arrow" w="med" len="med"/>
+            </a:ln>
+            <a:effectLst/>
+          </p:spPr>
+          <p:style>
+            <a:lnRef idx="1">
+              <a:schemeClr val="accent2"/>
+            </a:lnRef>
+            <a:fillRef idx="2">
+              <a:schemeClr val="accent2"/>
+            </a:fillRef>
+            <a:effectRef idx="1">
+              <a:schemeClr val="accent2"/>
+            </a:effectRef>
+            <a:fontRef idx="minor">
+              <a:schemeClr val="dk1"/>
+            </a:fontRef>
+          </p:style>
+        </p:cxnSp>
+        <p:cxnSp>
+          <p:nvCxnSpPr>
+            <p:cNvPr id="51" name="Elbow Connector 50"/>
+            <p:cNvCxnSpPr>
+              <a:stCxn id="16" idx="3"/>
+              <a:endCxn id="42" idx="2"/>
+            </p:cNvCxnSpPr>
+            <p:nvPr/>
+          </p:nvCxnSpPr>
+          <p:spPr>
+            <a:xfrm flipV="1">
+              <a:off x="4300741" y="3087571"/>
+              <a:ext cx="1269594" cy="659673"/>
+            </a:xfrm>
+            <a:prstGeom prst="bentConnector2">
+              <a:avLst/>
+            </a:prstGeom>
+            <a:ln w="19050">
+              <a:solidFill>
+                <a:schemeClr val="tx1"/>
+              </a:solidFill>
+              <a:prstDash val="sysDot"/>
+              <a:headEnd type="none" w="med" len="med"/>
+              <a:tailEnd type="arrow" w="med" len="med"/>
+            </a:ln>
+            <a:effectLst/>
+          </p:spPr>
+          <p:style>
+            <a:lnRef idx="1">
+              <a:schemeClr val="accent2"/>
+            </a:lnRef>
+            <a:fillRef idx="2">
+              <a:schemeClr val="accent2"/>
+            </a:fillRef>
+            <a:effectRef idx="1">
+              <a:schemeClr val="accent2"/>
+            </a:effectRef>
+            <a:fontRef idx="minor">
+              <a:schemeClr val="dk1"/>
+            </a:fontRef>
+          </p:style>
+        </p:cxnSp>
+        <p:cxnSp>
+          <p:nvCxnSpPr>
+            <p:cNvPr id="83" name="Elbow Connector 82"/>
+            <p:cNvCxnSpPr>
+              <a:endCxn id="42" idx="0"/>
+            </p:cNvCxnSpPr>
+            <p:nvPr/>
+          </p:nvCxnSpPr>
+          <p:spPr>
+            <a:xfrm rot="16200000" flipH="1">
+              <a:off x="5451193" y="2621669"/>
+              <a:ext cx="234926" cy="3358"/>
+            </a:xfrm>
+            <a:prstGeom prst="bentConnector3">
+              <a:avLst/>
+            </a:prstGeom>
+            <a:ln>
+              <a:solidFill>
+                <a:schemeClr val="tx1"/>
+              </a:solidFill>
+              <a:prstDash val="sysDot"/>
+            </a:ln>
+          </p:spPr>
+          <p:style>
+            <a:lnRef idx="1">
+              <a:schemeClr val="accent1"/>
+            </a:lnRef>
+            <a:fillRef idx="0">
+              <a:schemeClr val="accent1"/>
+            </a:fillRef>
+            <a:effectRef idx="0">
+              <a:schemeClr val="accent1"/>
+            </a:effectRef>
+            <a:fontRef idx="minor">
+              <a:schemeClr val="tx1"/>
+            </a:fontRef>
+          </p:style>
+        </p:cxnSp>
+        <p:sp>
+          <p:nvSpPr>
+            <p:cNvPr id="127" name="Folded Corner 126"/>
+            <p:cNvSpPr/>
+            <p:nvPr/>
+          </p:nvSpPr>
+          <p:spPr>
+            <a:xfrm>
+              <a:off x="6263130" y="1981200"/>
+              <a:ext cx="1276614" cy="630473"/>
+            </a:xfrm>
+            <a:prstGeom prst="foldedCorner">
+              <a:avLst/>
+            </a:prstGeom>
+            <a:noFill/>
+            <a:ln w="19050">
+              <a:solidFill>
+                <a:schemeClr val="tx1"/>
+              </a:solidFill>
+            </a:ln>
+            <a:effectLst/>
+          </p:spPr>
+          <p:style>
+            <a:lnRef idx="1">
+              <a:schemeClr val="accent2"/>
+            </a:lnRef>
+            <a:fillRef idx="2">
+              <a:schemeClr val="accent2"/>
+            </a:fillRef>
+            <a:effectRef idx="1">
+              <a:schemeClr val="accent2"/>
+            </a:effectRef>
+            <a:fontRef idx="minor">
+              <a:schemeClr val="dk1"/>
+            </a:fontRef>
+          </p:style>
+          <p:txBody>
+            <a:bodyPr rtlCol="0" anchor="ctr"/>
+            <a:lstStyle/>
+            <a:p>
+              <a:pPr algn="ctr"/>
+              <a:r>
+                <a:rPr lang="en-US" sz="1050" dirty="0" err="1">
+                  <a:solidFill>
+                    <a:schemeClr val="tx1"/>
+                  </a:solidFill>
+                </a:rPr>
+                <a:t>XYZCommand</a:t>
+              </a:r>
+              <a:r>
+                <a:rPr lang="en-US" sz="1050" dirty="0">
+                  <a:solidFill>
+                    <a:schemeClr val="tx1"/>
+                  </a:solidFill>
+                </a:rPr>
+                <a:t> = </a:t>
+              </a:r>
+              <a:r>
+                <a:rPr lang="en-US" sz="1050" dirty="0" err="1">
+                  <a:solidFill>
+                    <a:schemeClr val="tx1"/>
+                  </a:solidFill>
+                </a:rPr>
+                <a:t>AddCardCommand</a:t>
+              </a:r>
+              <a:r>
+                <a:rPr lang="en-US" sz="1050" dirty="0">
+                  <a:solidFill>
+                    <a:schemeClr val="tx1"/>
+                  </a:solidFill>
+                </a:rPr>
+                <a:t>, </a:t>
+              </a:r>
+              <a:r>
+                <a:rPr lang="en-US" sz="1050" dirty="0" err="1">
+                  <a:solidFill>
+                    <a:schemeClr val="tx1"/>
+                  </a:solidFill>
+                </a:rPr>
+                <a:t>FindCommand</a:t>
+              </a:r>
+              <a:r>
+                <a:rPr lang="en-US" sz="1050" dirty="0">
+                  <a:solidFill>
+                    <a:schemeClr val="tx1"/>
+                  </a:solidFill>
+                </a:rPr>
+                <a:t>, etc.</a:t>
+              </a:r>
+            </a:p>
+          </p:txBody>
+        </p:sp>
+        <p:sp>
+          <p:nvSpPr>
+            <p:cNvPr id="59" name="Rectangle 62"/>
+            <p:cNvSpPr/>
+            <p:nvPr/>
+          </p:nvSpPr>
+          <p:spPr>
+            <a:xfrm>
+              <a:off x="2334221" y="3058789"/>
+              <a:ext cx="758695" cy="346760"/>
+            </a:xfrm>
+            <a:prstGeom prst="rect">
+              <a:avLst/>
+            </a:prstGeom>
+            <a:noFill/>
+            <a:ln w="19050">
+              <a:solidFill>
+                <a:schemeClr val="tx1"/>
+              </a:solidFill>
+            </a:ln>
+            <a:effectLst/>
+          </p:spPr>
+          <p:style>
+            <a:lnRef idx="1">
+              <a:schemeClr val="accent2"/>
+            </a:lnRef>
+            <a:fillRef idx="2">
+              <a:schemeClr val="accent2"/>
+            </a:fillRef>
+            <a:effectRef idx="1">
+              <a:schemeClr val="accent2"/>
+            </a:effectRef>
+            <a:fontRef idx="minor">
+              <a:schemeClr val="dk1"/>
+            </a:fontRef>
+          </p:style>
+          <p:txBody>
+            <a:bodyPr rtlCol="0" anchor="ctr"/>
+            <a:lstStyle/>
+            <a:p>
+              <a:pPr algn="ctr"/>
+              <a:r>
+                <a:rPr lang="en-US" sz="1050" dirty="0" err="1">
+                  <a:solidFill>
+                    <a:schemeClr val="tx1"/>
+                  </a:solidFill>
+                </a:rPr>
+                <a:t>UndoRedo</a:t>
+              </a:r>
+              <a:endParaRPr lang="en-US" sz="1050" dirty="0">
+                <a:solidFill>
+                  <a:schemeClr val="tx1"/>
+                </a:solidFill>
+              </a:endParaRPr>
+            </a:p>
+            <a:p>
+              <a:pPr algn="ctr"/>
+              <a:r>
+                <a:rPr lang="en-US" sz="1050" dirty="0">
+                  <a:solidFill>
+                    <a:schemeClr val="tx1"/>
+                  </a:solidFill>
+                </a:rPr>
+                <a:t>Stack</a:t>
+              </a:r>
+              <a:endParaRPr lang="en-SG" sz="1050" dirty="0">
+                <a:solidFill>
+                  <a:schemeClr val="tx1"/>
+                </a:solidFill>
+              </a:endParaRPr>
+            </a:p>
+          </p:txBody>
+        </p:sp>
+        <p:cxnSp>
+          <p:nvCxnSpPr>
+            <p:cNvPr id="61" name="Straight Arrow Connector 57"/>
+            <p:cNvCxnSpPr>
+              <a:endCxn id="59" idx="2"/>
+            </p:cNvCxnSpPr>
+            <p:nvPr/>
+          </p:nvCxnSpPr>
+          <p:spPr>
+            <a:xfrm flipV="1">
+              <a:off x="2713568" y="3405549"/>
+              <a:ext cx="1" cy="177981"/>
+            </a:xfrm>
+            <a:prstGeom prst="straightConnector1">
+              <a:avLst/>
+            </a:prstGeom>
+            <a:ln w="19050">
+              <a:solidFill>
+                <a:schemeClr val="tx1"/>
+              </a:solidFill>
+              <a:headEnd type="none" w="med" len="med"/>
+              <a:tailEnd type="arrow" w="med" len="med"/>
+            </a:ln>
+            <a:effectLst/>
+          </p:spPr>
+          <p:style>
+            <a:lnRef idx="1">
+              <a:schemeClr val="accent2"/>
+            </a:lnRef>
+            <a:fillRef idx="2">
+              <a:schemeClr val="accent2"/>
+            </a:fillRef>
+            <a:effectRef idx="1">
+              <a:schemeClr val="accent2"/>
+            </a:effectRef>
+            <a:fontRef idx="minor">
+              <a:schemeClr val="dk1"/>
+            </a:fontRef>
+          </p:style>
+        </p:cxnSp>
+        <p:sp>
+          <p:nvSpPr>
+            <p:cNvPr id="63" name="TextBox 62"/>
+            <p:cNvSpPr txBox="1"/>
+            <p:nvPr/>
+          </p:nvSpPr>
+          <p:spPr>
+            <a:xfrm>
+              <a:off x="2724741" y="3418256"/>
+              <a:ext cx="131116" cy="230832"/>
+            </a:xfrm>
+            <a:prstGeom prst="rect">
+              <a:avLst/>
+            </a:prstGeom>
+            <a:noFill/>
+            <a:ln>
+              <a:solidFill>
+                <a:schemeClr val="tx1"/>
+              </a:solidFill>
+            </a:ln>
+          </p:spPr>
+          <p:txBody>
+            <a:bodyPr wrap="square" lIns="0" tIns="0" rIns="0" bIns="0" rtlCol="0">
+              <a:noAutofit/>
+            </a:bodyPr>
+            <a:lstStyle/>
+            <a:p>
+              <a:pPr algn="r"/>
+              <a:r>
+                <a:rPr lang="en-US" sz="1100" dirty="0"/>
+                <a:t>1</a:t>
+              </a:r>
+              <a:endParaRPr lang="en-SG" sz="1100" dirty="0"/>
+            </a:p>
+          </p:txBody>
+        </p:sp>
       </p:grpSp>
     </p:spTree>
     <p:extLst>
